--- a/trunk/doc/acl.pptx
+++ b/trunk/doc/acl.pptx
@@ -307,7 +307,8 @@
           <a:p>
             <a:fld id="{6A1E91B6-4D00-4098-943A-0D973440C0B8}" type="datetimeFigureOut">
               <a:rPr lang="zh-CN" altLang="en-US" smtClean="0"/>
-              <a:t>2013/7/16</a:t>
+              <a:pPr/>
+              <a:t>2013/7/17</a:t>
             </a:fld>
             <a:endParaRPr lang="zh-CN" altLang="en-US"/>
           </a:p>
@@ -354,6 +355,7 @@
           <a:p>
             <a:fld id="{90EBB770-2C60-4710-856D-6086DEEC6FA9}" type="slidenum">
               <a:rPr lang="zh-CN" altLang="en-US" smtClean="0"/>
+              <a:pPr/>
               <a:t>‹#›</a:t>
             </a:fld>
             <a:endParaRPr lang="zh-CN" altLang="en-US"/>
@@ -477,7 +479,8 @@
           <a:p>
             <a:fld id="{6A1E91B6-4D00-4098-943A-0D973440C0B8}" type="datetimeFigureOut">
               <a:rPr lang="zh-CN" altLang="en-US" smtClean="0"/>
-              <a:t>2013/7/16</a:t>
+              <a:pPr/>
+              <a:t>2013/7/17</a:t>
             </a:fld>
             <a:endParaRPr lang="zh-CN" altLang="en-US"/>
           </a:p>
@@ -519,6 +522,7 @@
           <a:p>
             <a:fld id="{90EBB770-2C60-4710-856D-6086DEEC6FA9}" type="slidenum">
               <a:rPr lang="zh-CN" altLang="en-US" smtClean="0"/>
+              <a:pPr/>
               <a:t>‹#›</a:t>
             </a:fld>
             <a:endParaRPr lang="zh-CN" altLang="en-US"/>
@@ -652,7 +656,8 @@
           <a:p>
             <a:fld id="{6A1E91B6-4D00-4098-943A-0D973440C0B8}" type="datetimeFigureOut">
               <a:rPr lang="zh-CN" altLang="en-US" smtClean="0"/>
-              <a:t>2013/7/16</a:t>
+              <a:pPr/>
+              <a:t>2013/7/17</a:t>
             </a:fld>
             <a:endParaRPr lang="zh-CN" altLang="en-US"/>
           </a:p>
@@ -694,6 +699,7 @@
           <a:p>
             <a:fld id="{90EBB770-2C60-4710-856D-6086DEEC6FA9}" type="slidenum">
               <a:rPr lang="zh-CN" altLang="en-US" smtClean="0"/>
+              <a:pPr/>
               <a:t>‹#›</a:t>
             </a:fld>
             <a:endParaRPr lang="zh-CN" altLang="en-US"/>
@@ -817,7 +823,8 @@
           <a:p>
             <a:fld id="{6A1E91B6-4D00-4098-943A-0D973440C0B8}" type="datetimeFigureOut">
               <a:rPr lang="zh-CN" altLang="en-US" smtClean="0"/>
-              <a:t>2013/7/16</a:t>
+              <a:pPr/>
+              <a:t>2013/7/17</a:t>
             </a:fld>
             <a:endParaRPr lang="zh-CN" altLang="en-US"/>
           </a:p>
@@ -869,6 +876,7 @@
           <a:p>
             <a:fld id="{90EBB770-2C60-4710-856D-6086DEEC6FA9}" type="slidenum">
               <a:rPr lang="zh-CN" altLang="en-US" smtClean="0"/>
+              <a:pPr/>
               <a:t>‹#›</a:t>
             </a:fld>
             <a:endParaRPr lang="zh-CN" altLang="en-US"/>
@@ -1051,7 +1059,8 @@
           <a:p>
             <a:fld id="{6A1E91B6-4D00-4098-943A-0D973440C0B8}" type="datetimeFigureOut">
               <a:rPr lang="zh-CN" altLang="en-US" smtClean="0"/>
-              <a:t>2013/7/16</a:t>
+              <a:pPr/>
+              <a:t>2013/7/17</a:t>
             </a:fld>
             <a:endParaRPr lang="zh-CN" altLang="en-US"/>
           </a:p>
@@ -1093,6 +1102,7 @@
           <a:p>
             <a:fld id="{90EBB770-2C60-4710-856D-6086DEEC6FA9}" type="slidenum">
               <a:rPr lang="zh-CN" altLang="en-US" smtClean="0"/>
+              <a:pPr/>
               <a:t>‹#›</a:t>
             </a:fld>
             <a:endParaRPr lang="zh-CN" altLang="en-US"/>
@@ -1347,7 +1357,8 @@
           <a:p>
             <a:fld id="{6A1E91B6-4D00-4098-943A-0D973440C0B8}" type="datetimeFigureOut">
               <a:rPr lang="zh-CN" altLang="en-US" smtClean="0"/>
-              <a:t>2013/7/16</a:t>
+              <a:pPr/>
+              <a:t>2013/7/17</a:t>
             </a:fld>
             <a:endParaRPr lang="zh-CN" altLang="en-US"/>
           </a:p>
@@ -1389,6 +1400,7 @@
           <a:p>
             <a:fld id="{90EBB770-2C60-4710-856D-6086DEEC6FA9}" type="slidenum">
               <a:rPr lang="zh-CN" altLang="en-US" smtClean="0"/>
+              <a:pPr/>
               <a:t>‹#›</a:t>
             </a:fld>
             <a:endParaRPr lang="zh-CN" altLang="en-US"/>
@@ -1731,7 +1743,8 @@
           <a:p>
             <a:fld id="{6A1E91B6-4D00-4098-943A-0D973440C0B8}" type="datetimeFigureOut">
               <a:rPr lang="zh-CN" altLang="en-US" smtClean="0"/>
-              <a:t>2013/7/16</a:t>
+              <a:pPr/>
+              <a:t>2013/7/17</a:t>
             </a:fld>
             <a:endParaRPr lang="zh-CN" altLang="en-US"/>
           </a:p>
@@ -1778,6 +1791,7 @@
           <a:p>
             <a:fld id="{90EBB770-2C60-4710-856D-6086DEEC6FA9}" type="slidenum">
               <a:rPr lang="zh-CN" altLang="en-US" smtClean="0"/>
+              <a:pPr/>
               <a:t>‹#›</a:t>
             </a:fld>
             <a:endParaRPr lang="zh-CN" altLang="en-US"/>
@@ -1904,7 +1918,8 @@
           <a:p>
             <a:fld id="{6A1E91B6-4D00-4098-943A-0D973440C0B8}" type="datetimeFigureOut">
               <a:rPr lang="zh-CN" altLang="en-US" smtClean="0"/>
-              <a:t>2013/7/16</a:t>
+              <a:pPr/>
+              <a:t>2013/7/17</a:t>
             </a:fld>
             <a:endParaRPr lang="zh-CN" altLang="en-US"/>
           </a:p>
@@ -1946,6 +1961,7 @@
           <a:p>
             <a:fld id="{90EBB770-2C60-4710-856D-6086DEEC6FA9}" type="slidenum">
               <a:rPr lang="zh-CN" altLang="en-US" smtClean="0"/>
+              <a:pPr/>
               <a:t>‹#›</a:t>
             </a:fld>
             <a:endParaRPr lang="zh-CN" altLang="en-US"/>
@@ -1994,7 +2010,8 @@
           <a:p>
             <a:fld id="{6A1E91B6-4D00-4098-943A-0D973440C0B8}" type="datetimeFigureOut">
               <a:rPr lang="zh-CN" altLang="en-US" smtClean="0"/>
-              <a:t>2013/7/16</a:t>
+              <a:pPr/>
+              <a:t>2013/7/17</a:t>
             </a:fld>
             <a:endParaRPr lang="zh-CN" altLang="en-US"/>
           </a:p>
@@ -2036,6 +2053,7 @@
           <a:p>
             <a:fld id="{90EBB770-2C60-4710-856D-6086DEEC6FA9}" type="slidenum">
               <a:rPr lang="zh-CN" altLang="en-US" smtClean="0"/>
+              <a:pPr/>
               <a:t>‹#›</a:t>
             </a:fld>
             <a:endParaRPr lang="zh-CN" altLang="en-US"/>
@@ -2289,7 +2307,8 @@
           <a:p>
             <a:fld id="{6A1E91B6-4D00-4098-943A-0D973440C0B8}" type="datetimeFigureOut">
               <a:rPr lang="zh-CN" altLang="en-US" smtClean="0"/>
-              <a:t>2013/7/16</a:t>
+              <a:pPr/>
+              <a:t>2013/7/17</a:t>
             </a:fld>
             <a:endParaRPr lang="zh-CN" altLang="en-US"/>
           </a:p>
@@ -2331,6 +2350,7 @@
           <a:p>
             <a:fld id="{90EBB770-2C60-4710-856D-6086DEEC6FA9}" type="slidenum">
               <a:rPr lang="zh-CN" altLang="en-US" smtClean="0"/>
+              <a:pPr/>
               <a:t>‹#›</a:t>
             </a:fld>
             <a:endParaRPr lang="zh-CN" altLang="en-US"/>
@@ -2423,7 +2443,8 @@
           <a:p>
             <a:fld id="{6A1E91B6-4D00-4098-943A-0D973440C0B8}" type="datetimeFigureOut">
               <a:rPr lang="zh-CN" altLang="en-US" smtClean="0"/>
-              <a:t>2013/7/16</a:t>
+              <a:pPr/>
+              <a:t>2013/7/17</a:t>
             </a:fld>
             <a:endParaRPr lang="zh-CN" altLang="en-US"/>
           </a:p>
@@ -2465,6 +2486,7 @@
           <a:p>
             <a:fld id="{90EBB770-2C60-4710-856D-6086DEEC6FA9}" type="slidenum">
               <a:rPr lang="zh-CN" altLang="en-US" smtClean="0"/>
+              <a:pPr/>
               <a:t>‹#›</a:t>
             </a:fld>
             <a:endParaRPr lang="zh-CN" altLang="en-US"/>
@@ -2726,7 +2748,8 @@
           <a:p>
             <a:fld id="{6A1E91B6-4D00-4098-943A-0D973440C0B8}" type="datetimeFigureOut">
               <a:rPr lang="zh-CN" altLang="en-US" smtClean="0"/>
-              <a:t>2013/7/16</a:t>
+              <a:pPr/>
+              <a:t>2013/7/17</a:t>
             </a:fld>
             <a:endParaRPr lang="zh-CN" altLang="en-US"/>
           </a:p>
@@ -2804,6 +2827,7 @@
           <a:p>
             <a:fld id="{90EBB770-2C60-4710-856D-6086DEEC6FA9}" type="slidenum">
               <a:rPr lang="zh-CN" altLang="en-US" smtClean="0"/>
+              <a:pPr/>
               <a:t>‹#›</a:t>
             </a:fld>
             <a:endParaRPr lang="zh-CN" altLang="en-US"/>
@@ -5408,11 +5432,7 @@
             </a:r>
             <a:r>
               <a:rPr lang="en-US" altLang="zh-CN" dirty="0" smtClean="0"/>
-              <a:t>(C++</a:t>
-            </a:r>
-            <a:r>
-              <a:rPr lang="en-US" altLang="zh-CN" dirty="0" smtClean="0"/>
-              <a:t>)</a:t>
+              <a:t>(C++)</a:t>
             </a:r>
             <a:endParaRPr lang="zh-CN" altLang="en-US" dirty="0"/>
           </a:p>
@@ -5610,11 +5630,7 @@
             </a:r>
             <a:r>
               <a:rPr lang="zh-CN" altLang="en-US" dirty="0" smtClean="0"/>
-              <a:t>编程</a:t>
-            </a:r>
-            <a:r>
-              <a:rPr lang="zh-CN" altLang="en-US" dirty="0" smtClean="0"/>
-              <a:t>示例</a:t>
+              <a:t>编程示例</a:t>
             </a:r>
             <a:endParaRPr lang="zh-CN" altLang="en-US" dirty="0"/>
           </a:p>
@@ -5720,15 +5736,7 @@
           <a:p>
             <a:r>
               <a:rPr lang="zh-CN" altLang="en-US" dirty="0" smtClean="0"/>
-              <a:t>一个</a:t>
-            </a:r>
-            <a:r>
-              <a:rPr lang="zh-CN" altLang="en-US" dirty="0" smtClean="0"/>
-              <a:t>简单的网络</a:t>
-            </a:r>
-            <a:r>
-              <a:rPr lang="zh-CN" altLang="en-US" dirty="0" smtClean="0"/>
-              <a:t>客户端</a:t>
+              <a:t>一个简单的网络客户端</a:t>
             </a:r>
             <a:endParaRPr lang="zh-CN" altLang="en-US" dirty="0"/>
           </a:p>
@@ -5778,7 +5786,6 @@
               <a:rPr lang="en-US" altLang="zh-CN" sz="1200" dirty="0" smtClean="0"/>
               <a:t>{</a:t>
             </a:r>
-            <a:endParaRPr lang="en-US" altLang="zh-CN" sz="1200" dirty="0" smtClean="0"/>
           </a:p>
           <a:p>
             <a:pPr lvl="1"/>
@@ -5930,19 +5937,11 @@
             </a:r>
             <a:r>
               <a:rPr lang="en-US" altLang="zh-CN" sz="1200" dirty="0" smtClean="0"/>
-              <a:t>) == false) </a:t>
-            </a:r>
-            <a:r>
-              <a:rPr lang="en-US" altLang="zh-CN" sz="1200" dirty="0" smtClean="0"/>
-              <a:t>// </a:t>
+              <a:t>) == false) // </a:t>
             </a:r>
             <a:r>
               <a:rPr lang="zh-CN" altLang="en-US" sz="1200" dirty="0" smtClean="0"/>
-              <a:t>连接</a:t>
-            </a:r>
-            <a:r>
-              <a:rPr lang="zh-CN" altLang="en-US" sz="1200" dirty="0" smtClean="0"/>
-              <a:t>服务器</a:t>
+              <a:t>连接服务器</a:t>
             </a:r>
             <a:endParaRPr lang="en-US" altLang="zh-CN" sz="1200" dirty="0" smtClean="0"/>
           </a:p>
@@ -5998,19 +5997,11 @@
             </a:r>
             <a:r>
               <a:rPr lang="en-US" altLang="zh-CN" sz="1200" dirty="0" smtClean="0"/>
-              <a:t>(“hello world\r\n”) == -1) </a:t>
-            </a:r>
-            <a:r>
-              <a:rPr lang="en-US" altLang="zh-CN" sz="1200" dirty="0" smtClean="0"/>
-              <a:t>// </a:t>
+              <a:t>(“hello world\r\n”) == -1) // </a:t>
             </a:r>
             <a:r>
               <a:rPr lang="zh-CN" altLang="en-US" sz="1200" dirty="0" smtClean="0"/>
-              <a:t>向服务端写入一行</a:t>
-            </a:r>
-            <a:r>
-              <a:rPr lang="zh-CN" altLang="en-US" sz="1200" dirty="0" smtClean="0"/>
-              <a:t>数据</a:t>
+              <a:t>向服务端写入一行数据</a:t>
             </a:r>
             <a:endParaRPr lang="en-US" altLang="zh-CN" sz="1200" dirty="0" smtClean="0"/>
           </a:p>
@@ -6098,11 +6089,7 @@
             </a:r>
             <a:r>
               <a:rPr lang="en-US" altLang="zh-CN" sz="1200" dirty="0" smtClean="0"/>
-              <a:t>, true) == false) </a:t>
-            </a:r>
-            <a:r>
-              <a:rPr lang="en-US" altLang="zh-CN" sz="1200" dirty="0" smtClean="0"/>
-              <a:t>// </a:t>
+              <a:t>, true) == false) // </a:t>
             </a:r>
             <a:r>
               <a:rPr lang="zh-CN" altLang="en-US" sz="1200" dirty="0" smtClean="0"/>
@@ -6427,7 +6414,7 @@
         <p:spPr>
           <a:xfrm>
             <a:off x="457200" y="1484784"/>
-            <a:ext cx="4114800" cy="5184576"/>
+            <a:ext cx="4258816" cy="5184576"/>
           </a:xfrm>
         </p:spPr>
         <p:txBody>
@@ -6509,11 +6496,7 @@
             </a:r>
             <a:r>
               <a:rPr lang="en-US" altLang="zh-CN" sz="1200" dirty="0" smtClean="0"/>
-              <a:t>) == false) </a:t>
-            </a:r>
-            <a:r>
-              <a:rPr lang="en-US" altLang="zh-CN" sz="1200" dirty="0" smtClean="0"/>
-              <a:t>// </a:t>
+              <a:t>) == false) // </a:t>
             </a:r>
             <a:r>
               <a:rPr lang="zh-CN" altLang="en-US" sz="1200" dirty="0" smtClean="0"/>
@@ -6575,11 +6558,7 @@
             <a:pPr lvl="2"/>
             <a:r>
               <a:rPr lang="en-US" altLang="zh-CN" sz="1200" dirty="0" smtClean="0"/>
-              <a:t>r</a:t>
-            </a:r>
-            <a:r>
-              <a:rPr lang="en-US" altLang="zh-CN" sz="1200" dirty="0" smtClean="0"/>
-              <a:t>eturn false;</a:t>
+              <a:t>return false;</a:t>
             </a:r>
           </a:p>
           <a:p>
@@ -6593,11 +6572,7 @@
             <a:pPr lvl="1"/>
             <a:r>
               <a:rPr lang="en-US" altLang="zh-CN" sz="1200" dirty="0" smtClean="0"/>
-              <a:t>while (true) </a:t>
-            </a:r>
-            <a:r>
-              <a:rPr lang="en-US" altLang="zh-CN" sz="1200" dirty="0" smtClean="0"/>
-              <a:t>// </a:t>
+              <a:t>while (true) // </a:t>
             </a:r>
             <a:r>
               <a:rPr lang="zh-CN" altLang="en-US" sz="1200" dirty="0" smtClean="0"/>
@@ -6643,11 +6618,7 @@
             <a:pPr lvl="2"/>
             <a:r>
               <a:rPr lang="en-US" altLang="zh-CN" sz="1200" dirty="0" smtClean="0"/>
-              <a:t>i</a:t>
-            </a:r>
-            <a:r>
-              <a:rPr lang="en-US" altLang="zh-CN" sz="1200" dirty="0" smtClean="0"/>
-              <a:t>f (client == NULL)</a:t>
+              <a:t>if (client == NULL)</a:t>
             </a:r>
           </a:p>
           <a:p>
@@ -6691,11 +6662,7 @@
             <a:pPr lvl="3"/>
             <a:r>
               <a:rPr lang="en-US" altLang="zh-CN" sz="1200" dirty="0" smtClean="0"/>
-              <a:t>b</a:t>
-            </a:r>
-            <a:r>
-              <a:rPr lang="en-US" altLang="zh-CN" sz="1200" dirty="0" smtClean="0"/>
-              <a:t>reak;</a:t>
+              <a:t>break;</a:t>
             </a:r>
           </a:p>
           <a:p>
@@ -6731,11 +6698,7 @@
             </a:pPr>
             <a:r>
               <a:rPr lang="en-US" altLang="zh-CN" sz="1200" dirty="0" smtClean="0"/>
-              <a:t>d</a:t>
-            </a:r>
-            <a:r>
-              <a:rPr lang="en-US" altLang="zh-CN" sz="1200" dirty="0" smtClean="0"/>
-              <a:t>elete  client;  // </a:t>
+              <a:t>delete  client;  // </a:t>
             </a:r>
             <a:r>
               <a:rPr lang="zh-CN" altLang="en-US" sz="1200" dirty="0" smtClean="0"/>
@@ -7633,11 +7596,7 @@
             </a:r>
             <a:r>
               <a:rPr lang="zh-CN" altLang="en-US" dirty="0" smtClean="0"/>
-              <a:t>框架服务器</a:t>
-            </a:r>
-            <a:r>
-              <a:rPr lang="zh-CN" altLang="en-US" dirty="0" smtClean="0"/>
-              <a:t>程序</a:t>
+              <a:t>框架服务器程序</a:t>
             </a:r>
             <a:endParaRPr lang="zh-CN" altLang="en-US" dirty="0"/>
           </a:p>
@@ -7861,13 +7820,7 @@
               <a:rPr lang="en-US" altLang="zh-CN" sz="2400" dirty="0" smtClean="0">
                 <a:hlinkClick r:id="rId2"/>
               </a:rPr>
-              <a:t>http://</a:t>
-            </a:r>
-            <a:r>
-              <a:rPr lang="en-US" altLang="zh-CN" sz="2400" dirty="0" smtClean="0">
-                <a:hlinkClick r:id="rId2"/>
-              </a:rPr>
-              <a:t>zsxxsz.iteye.com/blog/1851701</a:t>
+              <a:t>http://zsxxsz.iteye.com/blog/1851701</a:t>
             </a:r>
             <a:r>
               <a:rPr lang="zh-CN" altLang="en-US" sz="2400" dirty="0" smtClean="0"/>
@@ -7973,13 +7926,7 @@
               <a:rPr lang="en-US" altLang="zh-CN" sz="2400" dirty="0" smtClean="0">
                 <a:hlinkClick r:id="rId3"/>
               </a:rPr>
-              <a:t>http://</a:t>
-            </a:r>
-            <a:r>
-              <a:rPr lang="en-US" altLang="zh-CN" sz="2400" dirty="0" smtClean="0">
-                <a:hlinkClick r:id="rId3"/>
-              </a:rPr>
-              <a:t>zsxxsz.iteye.com/blog/1773413</a:t>
+              <a:t>http://zsxxsz.iteye.com/blog/1773413</a:t>
             </a:r>
             <a:r>
               <a:rPr lang="en-US" altLang="zh-CN" sz="2400" dirty="0" smtClean="0"/>
@@ -8048,11 +7995,7 @@
             </a:r>
             <a:r>
               <a:rPr lang="zh-CN" altLang="en-US" dirty="0" smtClean="0"/>
-              <a:t>编译</a:t>
-            </a:r>
-            <a:r>
-              <a:rPr lang="zh-CN" altLang="en-US" dirty="0" smtClean="0"/>
-              <a:t>安装</a:t>
+              <a:t>编译安装</a:t>
             </a:r>
             <a:endParaRPr lang="zh-CN" altLang="en-US" dirty="0"/>
           </a:p>
@@ -8388,11 +8331,7 @@
             </a:r>
             <a:r>
               <a:rPr lang="en-US" altLang="zh-CN" sz="3400" dirty="0" smtClean="0"/>
-              <a:t>, NULL, 5</a:t>
-            </a:r>
-            <a:r>
-              <a:rPr lang="en-US" altLang="zh-CN" sz="3400" dirty="0" smtClean="0"/>
-              <a:t>) </a:t>
+              <a:t>, NULL, 5) </a:t>
             </a:r>
             <a:r>
               <a:rPr lang="zh-CN" altLang="en-US" sz="3400" dirty="0" smtClean="0"/>
@@ -8427,11 +8366,7 @@
             </a:r>
             <a:r>
               <a:rPr lang="en-US" altLang="zh-CN" sz="2600" dirty="0" smtClean="0"/>
-              <a:t> --leak-check=yes -v </a:t>
-            </a:r>
-            <a:r>
-              <a:rPr lang="en-US" altLang="zh-CN" sz="2600" dirty="0" smtClean="0"/>
-              <a:t>./</a:t>
+              <a:t> --leak-check=yes -v ./</a:t>
             </a:r>
             <a:r>
               <a:rPr lang="en-US" altLang="zh-CN" sz="2600" dirty="0" err="1" smtClean="0"/>
@@ -8449,7 +8384,6 @@
               <a:rPr lang="en-US" altLang="zh-CN" sz="3400" dirty="0" smtClean="0"/>
               <a:t> listen on: 127.0.0.1:8888</a:t>
             </a:r>
-            <a:endParaRPr lang="en-US" altLang="zh-CN" sz="3400" dirty="0" smtClean="0"/>
           </a:p>
           <a:p>
             <a:r>
@@ -8619,13 +8553,7 @@
               <a:rPr lang="en-US" altLang="zh-CN" sz="2400" dirty="0" smtClean="0">
                 <a:hlinkClick r:id="rId2"/>
               </a:rPr>
-              <a:t>http://sourceforge.net/projects/acl</a:t>
-            </a:r>
-            <a:r>
-              <a:rPr lang="en-US" altLang="zh-CN" sz="2400" dirty="0" smtClean="0">
-                <a:hlinkClick r:id="rId2"/>
-              </a:rPr>
-              <a:t>/</a:t>
+              <a:t>http://sourceforge.net/projects/acl/</a:t>
             </a:r>
             <a:endParaRPr lang="en-US" altLang="zh-CN" sz="2400" dirty="0" smtClean="0"/>
           </a:p>
@@ -8644,11 +8572,7 @@
             </a:r>
             <a:r>
               <a:rPr lang="en-US" altLang="zh-CN" sz="2400" dirty="0" smtClean="0"/>
-              <a:t> svn://</a:t>
-            </a:r>
-            <a:r>
-              <a:rPr lang="en-US" altLang="zh-CN" sz="2400" dirty="0" smtClean="0"/>
-              <a:t>svn.code.sf.net/p/acl/code</a:t>
+              <a:t> svn://svn.code.sf.net/p/acl/code</a:t>
             </a:r>
           </a:p>
           <a:p>
@@ -9891,13 +9815,7 @@
               <a:rPr lang="en-US" altLang="zh-CN" sz="1600" dirty="0" smtClean="0">
                 <a:hlinkClick r:id="rId2"/>
               </a:rPr>
-              <a:t>http://</a:t>
-            </a:r>
-            <a:r>
-              <a:rPr lang="en-US" altLang="zh-CN" sz="1600" dirty="0" smtClean="0">
-                <a:hlinkClick r:id="rId2"/>
-              </a:rPr>
-              <a:t>www.searchtb.com/2012/09/tls.html</a:t>
+              <a:t>http://www.searchtb.com/2012/09/tls.html</a:t>
             </a:r>
             <a:r>
               <a:rPr lang="zh-CN" altLang="en-US" sz="2400" dirty="0" smtClean="0"/>
@@ -10007,11 +9925,7 @@
           <a:p>
             <a:r>
               <a:rPr lang="zh-CN" altLang="en-US" sz="2400" dirty="0" smtClean="0"/>
-              <a:t>主要</a:t>
-            </a:r>
-            <a:r>
-              <a:rPr lang="zh-CN" altLang="en-US" sz="2400" dirty="0" smtClean="0"/>
-              <a:t>包含 </a:t>
+              <a:t>主要包含 </a:t>
             </a:r>
             <a:r>
               <a:rPr lang="en-US" altLang="zh-CN" sz="2400" dirty="0" smtClean="0"/>
@@ -10019,11 +9933,7 @@
             </a:r>
             <a:r>
               <a:rPr lang="zh-CN" altLang="en-US" sz="2400" dirty="0" smtClean="0"/>
-              <a:t>个库及大量</a:t>
-            </a:r>
-            <a:r>
-              <a:rPr lang="zh-CN" altLang="en-US" sz="2400" dirty="0" smtClean="0"/>
-              <a:t>示例，</a:t>
+              <a:t>个库及大量示例，</a:t>
             </a:r>
             <a:r>
               <a:rPr lang="en-US" altLang="zh-CN" sz="2400" dirty="0" smtClean="0"/>
@@ -10037,11 +9947,7 @@
           <a:p>
             <a:r>
               <a:rPr lang="en-US" altLang="zh-CN" sz="2400" dirty="0" smtClean="0"/>
-              <a:t>1</a:t>
-            </a:r>
-            <a:r>
-              <a:rPr lang="en-US" altLang="zh-CN" sz="2400" dirty="0" smtClean="0"/>
-              <a:t>) </a:t>
+              <a:t>1) </a:t>
             </a:r>
             <a:r>
               <a:rPr lang="en-US" altLang="zh-CN" sz="2400" dirty="0" err="1" smtClean="0"/>
@@ -10061,15 +9967,7 @@
             </a:r>
             <a:r>
               <a:rPr lang="zh-CN" altLang="en-US" sz="2400" dirty="0" smtClean="0"/>
-              <a:t>其它</a:t>
-            </a:r>
-            <a:r>
-              <a:rPr lang="zh-CN" altLang="en-US" sz="2400" dirty="0" smtClean="0"/>
-              <a:t>库均依赖于该</a:t>
-            </a:r>
-            <a:r>
-              <a:rPr lang="zh-CN" altLang="en-US" sz="2400" dirty="0" smtClean="0"/>
-              <a:t>库</a:t>
+              <a:t>其它库均依赖于该库</a:t>
             </a:r>
             <a:r>
               <a:rPr lang="en-US" altLang="zh-CN" sz="2400" dirty="0" smtClean="0"/>
@@ -10096,11 +9994,7 @@
           <a:p>
             <a:r>
               <a:rPr lang="en-US" altLang="zh-CN" sz="2400" dirty="0" smtClean="0"/>
-              <a:t>2</a:t>
-            </a:r>
-            <a:r>
-              <a:rPr lang="en-US" altLang="zh-CN" sz="2400" dirty="0" smtClean="0"/>
-              <a:t>) </a:t>
+              <a:t>2) </a:t>
             </a:r>
             <a:r>
               <a:rPr lang="en-US" altLang="zh-CN" sz="2400" dirty="0" err="1" smtClean="0"/>
@@ -10112,11 +10006,7 @@
             </a:r>
             <a:r>
               <a:rPr lang="zh-CN" altLang="en-US" sz="2400" dirty="0" smtClean="0"/>
-              <a:t>实现</a:t>
-            </a:r>
-            <a:r>
-              <a:rPr lang="zh-CN" altLang="en-US" sz="2400" dirty="0" smtClean="0"/>
-              <a:t>了 </a:t>
+              <a:t>实现了 </a:t>
             </a:r>
             <a:r>
               <a:rPr lang="en-US" altLang="zh-CN" sz="2400" dirty="0" smtClean="0"/>
@@ -10151,11 +10041,7 @@
           <a:p>
             <a:r>
               <a:rPr lang="en-US" altLang="zh-CN" sz="2400" dirty="0" smtClean="0"/>
-              <a:t>3</a:t>
-            </a:r>
-            <a:r>
-              <a:rPr lang="en-US" altLang="zh-CN" sz="2400" dirty="0" smtClean="0"/>
-              <a:t>) </a:t>
+              <a:t>3) </a:t>
             </a:r>
             <a:r>
               <a:rPr lang="en-US" altLang="zh-CN" sz="2400" dirty="0" err="1" smtClean="0"/>
@@ -10167,11 +10053,7 @@
             </a:r>
             <a:r>
               <a:rPr lang="zh-CN" altLang="en-US" sz="2400" dirty="0" smtClean="0"/>
-              <a:t>封装</a:t>
-            </a:r>
-            <a:r>
-              <a:rPr lang="zh-CN" altLang="en-US" sz="2400" dirty="0" smtClean="0"/>
-              <a:t>了 </a:t>
+              <a:t>封装了 </a:t>
             </a:r>
             <a:r>
               <a:rPr lang="en-US" altLang="zh-CN" sz="2400" dirty="0" err="1" smtClean="0"/>
@@ -10191,11 +10073,7 @@
             </a:r>
             <a:r>
               <a:rPr lang="zh-CN" altLang="en-US" sz="2400" dirty="0" smtClean="0"/>
-              <a:t>两个库，同时增加了一些其它有价值的</a:t>
-            </a:r>
-            <a:r>
-              <a:rPr lang="zh-CN" altLang="en-US" sz="2400" dirty="0" smtClean="0"/>
-              <a:t>功能</a:t>
+              <a:t>两个库，同时增加了一些其它有价值的功能</a:t>
             </a:r>
             <a:r>
               <a:rPr lang="en-US" altLang="zh-CN" sz="2400" dirty="0" smtClean="0"/>
@@ -10214,11 +10092,7 @@
           <a:p>
             <a:r>
               <a:rPr lang="en-US" altLang="zh-CN" sz="2400" dirty="0" smtClean="0"/>
-              <a:t>4</a:t>
-            </a:r>
-            <a:r>
-              <a:rPr lang="en-US" altLang="zh-CN" sz="2400" dirty="0" smtClean="0"/>
-              <a:t>) </a:t>
+              <a:t>4) </a:t>
             </a:r>
             <a:r>
               <a:rPr lang="en-US" altLang="zh-CN" sz="2400" dirty="0" err="1" smtClean="0"/>
@@ -10230,11 +10104,7 @@
             </a:r>
             <a:r>
               <a:rPr lang="zh-CN" altLang="en-US" sz="2400" dirty="0" smtClean="0"/>
-              <a:t>实现</a:t>
-            </a:r>
-            <a:r>
-              <a:rPr lang="zh-CN" altLang="en-US" sz="2400" dirty="0" smtClean="0"/>
-              <a:t>了 </a:t>
+              <a:t>实现了 </a:t>
             </a:r>
             <a:r>
               <a:rPr lang="en-US" altLang="zh-CN" sz="2400" dirty="0" smtClean="0"/>
@@ -10242,15 +10112,7 @@
             </a:r>
             <a:r>
               <a:rPr lang="zh-CN" altLang="en-US" sz="2400" dirty="0" smtClean="0"/>
-              <a:t>的字典式存储库，该</a:t>
-            </a:r>
-            <a:r>
-              <a:rPr lang="zh-CN" altLang="en-US" sz="2400" dirty="0" smtClean="0"/>
-              <a:t>库还</a:t>
-            </a:r>
-            <a:r>
-              <a:rPr lang="zh-CN" altLang="en-US" sz="2400" dirty="0" smtClean="0"/>
-              <a:t>依赖于 </a:t>
+              <a:t>的字典式存储库，该库还依赖于 </a:t>
             </a:r>
             <a:r>
               <a:rPr lang="en-US" altLang="zh-CN" sz="2400" dirty="0" smtClean="0"/>
@@ -10280,16 +10142,11 @@
               <a:rPr lang="zh-CN" altLang="en-US" sz="2400" dirty="0" smtClean="0"/>
               <a:t>语言）</a:t>
             </a:r>
-            <a:endParaRPr lang="zh-CN" altLang="en-US" sz="2400" dirty="0" smtClean="0"/>
-          </a:p>
-          <a:p>
-            <a:r>
-              <a:rPr lang="en-US" altLang="zh-CN" sz="2400" dirty="0" smtClean="0"/>
-              <a:t>5</a:t>
-            </a:r>
-            <a:r>
-              <a:rPr lang="en-US" altLang="zh-CN" sz="2400" dirty="0" smtClean="0"/>
-              <a:t>) </a:t>
+          </a:p>
+          <a:p>
+            <a:r>
+              <a:rPr lang="en-US" altLang="zh-CN" sz="2400" dirty="0" smtClean="0"/>
+              <a:t>5) </a:t>
             </a:r>
             <a:r>
               <a:rPr lang="en-US" altLang="zh-CN" sz="2400" dirty="0" err="1" smtClean="0"/>
@@ -10301,11 +10158,7 @@
             </a:r>
             <a:r>
               <a:rPr lang="zh-CN" altLang="en-US" sz="2400" dirty="0" smtClean="0"/>
-              <a:t>封装</a:t>
-            </a:r>
-            <a:r>
-              <a:rPr lang="zh-CN" altLang="en-US" sz="2400" dirty="0" smtClean="0"/>
-              <a:t>了 </a:t>
+              <a:t>封装了 </a:t>
             </a:r>
             <a:r>
               <a:rPr lang="en-US" altLang="zh-CN" sz="2400" dirty="0" err="1" smtClean="0"/>
@@ -10331,7 +10184,6 @@
               <a:rPr lang="en-US" altLang="zh-CN" sz="2400" dirty="0" smtClean="0"/>
               <a:t>)</a:t>
             </a:r>
-            <a:endParaRPr lang="en-US" altLang="zh-CN" sz="2400" dirty="0" smtClean="0"/>
           </a:p>
           <a:p>
             <a:r>
@@ -10352,11 +10204,7 @@
             </a:r>
             <a:r>
               <a:rPr lang="en-US" altLang="zh-CN" sz="2400" dirty="0" smtClean="0"/>
-              <a:t> </a:t>
-            </a:r>
-            <a:r>
-              <a:rPr lang="en-US" altLang="zh-CN" sz="2400" dirty="0" smtClean="0"/>
-              <a:t>protocol-buffer(C++)</a:t>
+              <a:t> protocol-buffer(C++)</a:t>
             </a:r>
             <a:endParaRPr lang="zh-CN" altLang="en-US" sz="2400" dirty="0"/>
           </a:p>
@@ -10834,11 +10682,7 @@
           <a:p>
             <a:r>
               <a:rPr lang="en-US" altLang="zh-CN" sz="2400" dirty="0" err="1" smtClean="0"/>
-              <a:t>s</a:t>
-            </a:r>
-            <a:r>
-              <a:rPr lang="en-US" altLang="zh-CN" sz="2400" dirty="0" err="1" smtClean="0"/>
-              <a:t>mtp</a:t>
+              <a:t>smtp</a:t>
             </a:r>
             <a:r>
               <a:rPr lang="en-US" altLang="zh-CN" sz="2400" dirty="0" smtClean="0"/>
@@ -11256,11 +11100,7 @@
           <a:p>
             <a:r>
               <a:rPr lang="en-US" altLang="zh-CN" sz="6800" dirty="0" err="1" smtClean="0"/>
-              <a:t>i</a:t>
-            </a:r>
-            <a:r>
-              <a:rPr lang="en-US" altLang="zh-CN" sz="6800" dirty="0" err="1" smtClean="0"/>
-              <a:t>pc</a:t>
+              <a:t>ipc</a:t>
             </a:r>
             <a:r>
               <a:rPr lang="en-US" altLang="zh-CN" sz="6800" dirty="0" smtClean="0"/>

--- a/trunk/doc/acl.pptx
+++ b/trunk/doc/acl.pptx
@@ -308,7 +308,7 @@
             <a:fld id="{6A1E91B6-4D00-4098-943A-0D973440C0B8}" type="datetimeFigureOut">
               <a:rPr lang="zh-CN" altLang="en-US" smtClean="0"/>
               <a:pPr/>
-              <a:t>2013/7/17</a:t>
+              <a:t>2013/7/18</a:t>
             </a:fld>
             <a:endParaRPr lang="zh-CN" altLang="en-US"/>
           </a:p>
@@ -480,7 +480,7 @@
             <a:fld id="{6A1E91B6-4D00-4098-943A-0D973440C0B8}" type="datetimeFigureOut">
               <a:rPr lang="zh-CN" altLang="en-US" smtClean="0"/>
               <a:pPr/>
-              <a:t>2013/7/17</a:t>
+              <a:t>2013/7/18</a:t>
             </a:fld>
             <a:endParaRPr lang="zh-CN" altLang="en-US"/>
           </a:p>
@@ -657,7 +657,7 @@
             <a:fld id="{6A1E91B6-4D00-4098-943A-0D973440C0B8}" type="datetimeFigureOut">
               <a:rPr lang="zh-CN" altLang="en-US" smtClean="0"/>
               <a:pPr/>
-              <a:t>2013/7/17</a:t>
+              <a:t>2013/7/18</a:t>
             </a:fld>
             <a:endParaRPr lang="zh-CN" altLang="en-US"/>
           </a:p>
@@ -824,7 +824,7 @@
             <a:fld id="{6A1E91B6-4D00-4098-943A-0D973440C0B8}" type="datetimeFigureOut">
               <a:rPr lang="zh-CN" altLang="en-US" smtClean="0"/>
               <a:pPr/>
-              <a:t>2013/7/17</a:t>
+              <a:t>2013/7/18</a:t>
             </a:fld>
             <a:endParaRPr lang="zh-CN" altLang="en-US"/>
           </a:p>
@@ -1060,7 +1060,7 @@
             <a:fld id="{6A1E91B6-4D00-4098-943A-0D973440C0B8}" type="datetimeFigureOut">
               <a:rPr lang="zh-CN" altLang="en-US" smtClean="0"/>
               <a:pPr/>
-              <a:t>2013/7/17</a:t>
+              <a:t>2013/7/18</a:t>
             </a:fld>
             <a:endParaRPr lang="zh-CN" altLang="en-US"/>
           </a:p>
@@ -1358,7 +1358,7 @@
             <a:fld id="{6A1E91B6-4D00-4098-943A-0D973440C0B8}" type="datetimeFigureOut">
               <a:rPr lang="zh-CN" altLang="en-US" smtClean="0"/>
               <a:pPr/>
-              <a:t>2013/7/17</a:t>
+              <a:t>2013/7/18</a:t>
             </a:fld>
             <a:endParaRPr lang="zh-CN" altLang="en-US"/>
           </a:p>
@@ -1744,7 +1744,7 @@
             <a:fld id="{6A1E91B6-4D00-4098-943A-0D973440C0B8}" type="datetimeFigureOut">
               <a:rPr lang="zh-CN" altLang="en-US" smtClean="0"/>
               <a:pPr/>
-              <a:t>2013/7/17</a:t>
+              <a:t>2013/7/18</a:t>
             </a:fld>
             <a:endParaRPr lang="zh-CN" altLang="en-US"/>
           </a:p>
@@ -1919,7 +1919,7 @@
             <a:fld id="{6A1E91B6-4D00-4098-943A-0D973440C0B8}" type="datetimeFigureOut">
               <a:rPr lang="zh-CN" altLang="en-US" smtClean="0"/>
               <a:pPr/>
-              <a:t>2013/7/17</a:t>
+              <a:t>2013/7/18</a:t>
             </a:fld>
             <a:endParaRPr lang="zh-CN" altLang="en-US"/>
           </a:p>
@@ -2011,7 +2011,7 @@
             <a:fld id="{6A1E91B6-4D00-4098-943A-0D973440C0B8}" type="datetimeFigureOut">
               <a:rPr lang="zh-CN" altLang="en-US" smtClean="0"/>
               <a:pPr/>
-              <a:t>2013/7/17</a:t>
+              <a:t>2013/7/18</a:t>
             </a:fld>
             <a:endParaRPr lang="zh-CN" altLang="en-US"/>
           </a:p>
@@ -2308,7 +2308,7 @@
             <a:fld id="{6A1E91B6-4D00-4098-943A-0D973440C0B8}" type="datetimeFigureOut">
               <a:rPr lang="zh-CN" altLang="en-US" smtClean="0"/>
               <a:pPr/>
-              <a:t>2013/7/17</a:t>
+              <a:t>2013/7/18</a:t>
             </a:fld>
             <a:endParaRPr lang="zh-CN" altLang="en-US"/>
           </a:p>
@@ -2444,7 +2444,7 @@
             <a:fld id="{6A1E91B6-4D00-4098-943A-0D973440C0B8}" type="datetimeFigureOut">
               <a:rPr lang="zh-CN" altLang="en-US" smtClean="0"/>
               <a:pPr/>
-              <a:t>2013/7/17</a:t>
+              <a:t>2013/7/18</a:t>
             </a:fld>
             <a:endParaRPr lang="zh-CN" altLang="en-US"/>
           </a:p>
@@ -2749,7 +2749,7 @@
             <a:fld id="{6A1E91B6-4D00-4098-943A-0D973440C0B8}" type="datetimeFigureOut">
               <a:rPr lang="zh-CN" altLang="en-US" smtClean="0"/>
               <a:pPr/>
-              <a:t>2013/7/17</a:t>
+              <a:t>2013/7/18</a:t>
             </a:fld>
             <a:endParaRPr lang="zh-CN" altLang="en-US"/>
           </a:p>
@@ -9775,12 +9775,12 @@
           </a:p>
           <a:p>
             <a:r>
-              <a:rPr lang="en-US" altLang="zh-CN" sz="2400" dirty="0" smtClean="0"/>
-              <a:t>263</a:t>
-            </a:r>
-            <a:r>
-              <a:rPr lang="zh-CN" altLang="en-US" sz="2400" dirty="0" smtClean="0"/>
-              <a:t>：反垃圾网关，用户认证等</a:t>
+              <a:rPr lang="zh-CN" altLang="en-US" sz="2400" dirty="0" smtClean="0"/>
+              <a:t>某企业应用：</a:t>
+            </a:r>
+            <a:r>
+              <a:rPr lang="zh-CN" altLang="en-US" sz="2400" dirty="0" smtClean="0"/>
+              <a:t>反垃圾网关，用户认证等</a:t>
             </a:r>
             <a:endParaRPr lang="en-US" altLang="zh-CN" sz="2400" dirty="0" smtClean="0"/>
           </a:p>
@@ -9841,7 +9841,15 @@
             </a:r>
             <a:r>
               <a:rPr lang="zh-CN" altLang="en-US" sz="2400" dirty="0" smtClean="0"/>
-              <a:t>？</a:t>
+              <a:t>？（目前已有人移植至</a:t>
+            </a:r>
+            <a:r>
+              <a:rPr lang="en-US" altLang="zh-CN" sz="2400" dirty="0" smtClean="0"/>
+              <a:t>arm</a:t>
+            </a:r>
+            <a:r>
+              <a:rPr lang="zh-CN" altLang="en-US" sz="2400" dirty="0" smtClean="0"/>
+              <a:t>，龙芯上）</a:t>
             </a:r>
             <a:endParaRPr lang="zh-CN" altLang="en-US" sz="2400" dirty="0"/>
           </a:p>
@@ -10262,12 +10270,12 @@
               <a:t>lib_acl</a:t>
             </a:r>
             <a:r>
-              <a:rPr lang="en-US" altLang="zh-CN" dirty="0" smtClean="0"/>
-              <a:t> </a:t>
-            </a:r>
-            <a:r>
               <a:rPr lang="zh-CN" altLang="en-US" dirty="0" smtClean="0"/>
-              <a:t>基础库</a:t>
+              <a:t>基础</a:t>
+            </a:r>
+            <a:r>
+              <a:rPr lang="zh-CN" altLang="en-US" dirty="0" smtClean="0"/>
+              <a:t>库</a:t>
             </a:r>
             <a:endParaRPr lang="zh-CN" altLang="en-US" dirty="0"/>
           </a:p>

--- a/trunk/doc/acl.pptx
+++ b/trunk/doc/acl.pptx
@@ -8588,22 +8588,45 @@
               <a:rPr lang="en-US" altLang="zh-CN" sz="2400" dirty="0" smtClean="0">
                 <a:hlinkClick r:id="rId3"/>
               </a:rPr>
-              <a:t>http://zsxxsz.iteye.com/</a:t>
+              <a:t>http://zsxxsz.iteye.com</a:t>
+            </a:r>
+            <a:r>
+              <a:rPr lang="en-US" altLang="zh-CN" sz="2400" dirty="0" smtClean="0">
+                <a:hlinkClick r:id="rId3"/>
+              </a:rPr>
+              <a:t>/</a:t>
             </a:r>
             <a:endParaRPr lang="en-US" altLang="zh-CN" sz="2400" dirty="0" smtClean="0"/>
           </a:p>
           <a:p>
             <a:r>
               <a:rPr lang="en-US" altLang="zh-CN" sz="2400" dirty="0" smtClean="0"/>
-              <a:t>ACL </a:t>
-            </a:r>
-            <a:r>
-              <a:rPr lang="zh-CN" altLang="en-US" sz="2400" dirty="0" smtClean="0"/>
-              <a:t>内网帮助：</a:t>
+              <a:t>ACL  API</a:t>
+            </a:r>
+            <a:r>
+              <a:rPr lang="zh-CN" altLang="en-US" sz="2400" dirty="0" smtClean="0"/>
+              <a:t>文档：</a:t>
             </a:r>
             <a:r>
               <a:rPr lang="en-US" altLang="zh-CN" sz="2400" dirty="0" smtClean="0">
                 <a:hlinkClick r:id="rId4"/>
+              </a:rPr>
+              <a:t>https://sourceforge.net/projects/acl/files/doc/</a:t>
+            </a:r>
+            <a:endParaRPr lang="en-US" altLang="zh-CN" sz="2400" dirty="0" smtClean="0"/>
+          </a:p>
+          <a:p>
+            <a:r>
+              <a:rPr lang="en-US" altLang="zh-CN" sz="2400" dirty="0" smtClean="0"/>
+              <a:t>ACL </a:t>
+            </a:r>
+            <a:r>
+              <a:rPr lang="zh-CN" altLang="en-US" sz="2400" dirty="0" smtClean="0"/>
+              <a:t>内网帮助：</a:t>
+            </a:r>
+            <a:r>
+              <a:rPr lang="en-US" altLang="zh-CN" sz="2400" dirty="0" smtClean="0">
+                <a:hlinkClick r:id="rId5"/>
               </a:rPr>
               <a:t> http://192.168.188.173:8081/help/</a:t>
             </a:r>
@@ -9776,11 +9799,7 @@
           <a:p>
             <a:r>
               <a:rPr lang="zh-CN" altLang="en-US" sz="2400" dirty="0" smtClean="0"/>
-              <a:t>某企业应用：</a:t>
-            </a:r>
-            <a:r>
-              <a:rPr lang="zh-CN" altLang="en-US" sz="2400" dirty="0" smtClean="0"/>
-              <a:t>反垃圾网关，用户认证等</a:t>
+              <a:t>某企业应用：反垃圾网关，用户认证等</a:t>
             </a:r>
             <a:endParaRPr lang="en-US" altLang="zh-CN" sz="2400" dirty="0" smtClean="0"/>
           </a:p>
@@ -10271,11 +10290,7 @@
             </a:r>
             <a:r>
               <a:rPr lang="zh-CN" altLang="en-US" dirty="0" smtClean="0"/>
-              <a:t>基础</a:t>
-            </a:r>
-            <a:r>
-              <a:rPr lang="zh-CN" altLang="en-US" dirty="0" smtClean="0"/>
-              <a:t>库</a:t>
+              <a:t>基础库</a:t>
             </a:r>
             <a:endParaRPr lang="zh-CN" altLang="en-US" dirty="0"/>
           </a:p>

--- a/trunk/doc/acl.pptx
+++ b/trunk/doc/acl.pptx
@@ -318,7 +318,7 @@
             <a:fld id="{6A1E91B6-4D00-4098-943A-0D973440C0B8}" type="datetimeFigureOut">
               <a:rPr lang="zh-CN" altLang="en-US" smtClean="0"/>
               <a:pPr/>
-              <a:t>2013/7/22</a:t>
+              <a:t>2014/5/28</a:t>
             </a:fld>
             <a:endParaRPr lang="zh-CN" altLang="en-US"/>
           </a:p>
@@ -490,7 +490,7 @@
             <a:fld id="{6A1E91B6-4D00-4098-943A-0D973440C0B8}" type="datetimeFigureOut">
               <a:rPr lang="zh-CN" altLang="en-US" smtClean="0"/>
               <a:pPr/>
-              <a:t>2013/7/22</a:t>
+              <a:t>2014/5/28</a:t>
             </a:fld>
             <a:endParaRPr lang="zh-CN" altLang="en-US"/>
           </a:p>
@@ -667,7 +667,7 @@
             <a:fld id="{6A1E91B6-4D00-4098-943A-0D973440C0B8}" type="datetimeFigureOut">
               <a:rPr lang="zh-CN" altLang="en-US" smtClean="0"/>
               <a:pPr/>
-              <a:t>2013/7/22</a:t>
+              <a:t>2014/5/28</a:t>
             </a:fld>
             <a:endParaRPr lang="zh-CN" altLang="en-US"/>
           </a:p>
@@ -834,7 +834,7 @@
             <a:fld id="{6A1E91B6-4D00-4098-943A-0D973440C0B8}" type="datetimeFigureOut">
               <a:rPr lang="zh-CN" altLang="en-US" smtClean="0"/>
               <a:pPr/>
-              <a:t>2013/7/22</a:t>
+              <a:t>2014/5/28</a:t>
             </a:fld>
             <a:endParaRPr lang="zh-CN" altLang="en-US"/>
           </a:p>
@@ -1070,7 +1070,7 @@
             <a:fld id="{6A1E91B6-4D00-4098-943A-0D973440C0B8}" type="datetimeFigureOut">
               <a:rPr lang="zh-CN" altLang="en-US" smtClean="0"/>
               <a:pPr/>
-              <a:t>2013/7/22</a:t>
+              <a:t>2014/5/28</a:t>
             </a:fld>
             <a:endParaRPr lang="zh-CN" altLang="en-US"/>
           </a:p>
@@ -1368,7 +1368,7 @@
             <a:fld id="{6A1E91B6-4D00-4098-943A-0D973440C0B8}" type="datetimeFigureOut">
               <a:rPr lang="zh-CN" altLang="en-US" smtClean="0"/>
               <a:pPr/>
-              <a:t>2013/7/22</a:t>
+              <a:t>2014/5/28</a:t>
             </a:fld>
             <a:endParaRPr lang="zh-CN" altLang="en-US"/>
           </a:p>
@@ -1754,7 +1754,7 @@
             <a:fld id="{6A1E91B6-4D00-4098-943A-0D973440C0B8}" type="datetimeFigureOut">
               <a:rPr lang="zh-CN" altLang="en-US" smtClean="0"/>
               <a:pPr/>
-              <a:t>2013/7/22</a:t>
+              <a:t>2014/5/28</a:t>
             </a:fld>
             <a:endParaRPr lang="zh-CN" altLang="en-US"/>
           </a:p>
@@ -1929,7 +1929,7 @@
             <a:fld id="{6A1E91B6-4D00-4098-943A-0D973440C0B8}" type="datetimeFigureOut">
               <a:rPr lang="zh-CN" altLang="en-US" smtClean="0"/>
               <a:pPr/>
-              <a:t>2013/7/22</a:t>
+              <a:t>2014/5/28</a:t>
             </a:fld>
             <a:endParaRPr lang="zh-CN" altLang="en-US"/>
           </a:p>
@@ -2021,7 +2021,7 @@
             <a:fld id="{6A1E91B6-4D00-4098-943A-0D973440C0B8}" type="datetimeFigureOut">
               <a:rPr lang="zh-CN" altLang="en-US" smtClean="0"/>
               <a:pPr/>
-              <a:t>2013/7/22</a:t>
+              <a:t>2014/5/28</a:t>
             </a:fld>
             <a:endParaRPr lang="zh-CN" altLang="en-US"/>
           </a:p>
@@ -2318,7 +2318,7 @@
             <a:fld id="{6A1E91B6-4D00-4098-943A-0D973440C0B8}" type="datetimeFigureOut">
               <a:rPr lang="zh-CN" altLang="en-US" smtClean="0"/>
               <a:pPr/>
-              <a:t>2013/7/22</a:t>
+              <a:t>2014/5/28</a:t>
             </a:fld>
             <a:endParaRPr lang="zh-CN" altLang="en-US"/>
           </a:p>
@@ -2454,7 +2454,7 @@
             <a:fld id="{6A1E91B6-4D00-4098-943A-0D973440C0B8}" type="datetimeFigureOut">
               <a:rPr lang="zh-CN" altLang="en-US" smtClean="0"/>
               <a:pPr/>
-              <a:t>2013/7/22</a:t>
+              <a:t>2014/5/28</a:t>
             </a:fld>
             <a:endParaRPr lang="zh-CN" altLang="en-US"/>
           </a:p>
@@ -2759,7 +2759,7 @@
             <a:fld id="{6A1E91B6-4D00-4098-943A-0D973440C0B8}" type="datetimeFigureOut">
               <a:rPr lang="zh-CN" altLang="en-US" smtClean="0"/>
               <a:pPr/>
-              <a:t>2013/7/22</a:t>
+              <a:t>2014/5/28</a:t>
             </a:fld>
             <a:endParaRPr lang="zh-CN" altLang="en-US"/>
           </a:p>
@@ -4457,8 +4457,8 @@
           </p:nvPr>
         </p:nvGraphicFramePr>
         <p:xfrm>
-          <a:off x="304800" y="1554163"/>
-          <a:ext cx="8686800" cy="5029200"/>
+          <a:off x="304800" y="1214422"/>
+          <a:ext cx="8686800" cy="5394960"/>
         </p:xfrm>
         <a:graphic>
           <a:graphicData uri="http://schemas.openxmlformats.org/drawingml/2006/table">
@@ -4843,6 +4843,58 @@
                       <a:r>
                         <a:rPr lang="zh-CN" altLang="en-US" dirty="0" smtClean="0"/>
                         <a:t>线程池模式</a:t>
+                      </a:r>
+                      <a:endParaRPr lang="zh-CN" altLang="en-US" dirty="0"/>
+                    </a:p>
+                  </a:txBody>
+                  <a:tcPr marL="96520" marR="96520"/>
+                </a:tc>
+                <a:tc>
+                  <a:txBody>
+                    <a:bodyPr/>
+                    <a:lstStyle/>
+                    <a:p>
+                      <a:r>
+                        <a:rPr lang="zh-CN" altLang="en-US" dirty="0" smtClean="0"/>
+                        <a:t>不支持</a:t>
+                      </a:r>
+                      <a:endParaRPr lang="zh-CN" altLang="en-US" dirty="0"/>
+                    </a:p>
+                  </a:txBody>
+                  <a:tcPr marL="96520" marR="96520"/>
+                </a:tc>
+                <a:tc>
+                  <a:txBody>
+                    <a:bodyPr/>
+                    <a:lstStyle/>
+                    <a:p>
+                      <a:r>
+                        <a:rPr lang="zh-CN" altLang="en-US" dirty="0" smtClean="0"/>
+                        <a:t>支持</a:t>
+                      </a:r>
+                      <a:endParaRPr lang="zh-CN" altLang="en-US" dirty="0"/>
+                    </a:p>
+                  </a:txBody>
+                  <a:tcPr marL="96520" marR="96520"/>
+                </a:tc>
+              </a:tr>
+              <a:tr h="251156">
+                <a:tc>
+                  <a:txBody>
+                    <a:bodyPr/>
+                    <a:lstStyle/>
+                    <a:p>
+                      <a:r>
+                        <a:rPr lang="en-US" altLang="zh-CN" dirty="0" smtClean="0"/>
+                        <a:t>UDP</a:t>
+                      </a:r>
+                      <a:r>
+                        <a:rPr lang="en-US" altLang="zh-CN" baseline="0" dirty="0" smtClean="0"/>
+                        <a:t> </a:t>
+                      </a:r>
+                      <a:r>
+                        <a:rPr lang="zh-CN" altLang="en-US" baseline="0" dirty="0" smtClean="0"/>
+                        <a:t>模式</a:t>
                       </a:r>
                       <a:endParaRPr lang="zh-CN" altLang="en-US" dirty="0"/>
                     </a:p>
@@ -6405,11 +6457,7 @@
             </a:r>
             <a:r>
               <a:rPr lang="zh-CN" altLang="en-US" dirty="0" smtClean="0"/>
-              <a:t>通信</a:t>
-            </a:r>
-            <a:r>
-              <a:rPr lang="zh-CN" altLang="en-US" dirty="0" smtClean="0"/>
-              <a:t>模块</a:t>
+              <a:t>通信模块</a:t>
             </a:r>
             <a:endParaRPr lang="en-US" altLang="zh-CN" dirty="0" smtClean="0"/>
           </a:p>
@@ -6830,11 +6878,7 @@
             </a:r>
             <a:r>
               <a:rPr lang="zh-CN" altLang="en-US" dirty="0" smtClean="0"/>
-              <a:t>分级日志</a:t>
-            </a:r>
-            <a:r>
-              <a:rPr lang="zh-CN" altLang="en-US" dirty="0" smtClean="0"/>
-              <a:t>示例</a:t>
+              <a:t>分级日志示例</a:t>
             </a:r>
             <a:r>
               <a:rPr lang="en-US" altLang="zh-CN" dirty="0" smtClean="0"/>
@@ -6995,13 +7039,8 @@
           <a:p>
             <a:r>
               <a:rPr lang="en-US" altLang="zh-CN" dirty="0" smtClean="0"/>
-              <a:t>  </a:t>
-            </a:r>
-            <a:r>
-              <a:rPr lang="en-US" altLang="zh-CN" dirty="0" smtClean="0"/>
-              <a:t>......  </a:t>
-            </a:r>
-            <a:endParaRPr lang="en-US" altLang="zh-CN" dirty="0" smtClean="0"/>
+              <a:t>  ......  </a:t>
+            </a:r>
           </a:p>
           <a:p>
             <a:r>
@@ -7154,11 +7193,7 @@
             </a:r>
             <a:r>
               <a:rPr lang="en-US" altLang="zh-CN" dirty="0" smtClean="0"/>
-              <a:t>(102, 1)("%s(%d): log time: %ld", __FILE__, __LINE__, time(NULL</a:t>
-            </a:r>
-            <a:r>
-              <a:rPr lang="en-US" altLang="zh-CN" dirty="0" smtClean="0"/>
-              <a:t>));</a:t>
+              <a:t>(102, 1)("%s(%d): log time: %ld", __FILE__, __LINE__, time(NULL));</a:t>
             </a:r>
           </a:p>
           <a:p>
@@ -7271,11 +7306,7 @@
             </a:r>
             <a:r>
               <a:rPr lang="en-US" altLang="zh-CN" dirty="0" smtClean="0"/>
-              <a:t>(</a:t>
-            </a:r>
-            <a:r>
-              <a:rPr lang="en-US" altLang="zh-CN" dirty="0" smtClean="0"/>
-              <a:t>C++</a:t>
+              <a:t>(C++</a:t>
             </a:r>
             <a:r>
               <a:rPr lang="zh-CN" altLang="en-US" dirty="0" smtClean="0"/>
@@ -7478,11 +7509,7 @@
             </a:r>
             <a:r>
               <a:rPr lang="zh-CN" altLang="en-US" dirty="0" smtClean="0"/>
-              <a:t>日志</a:t>
-            </a:r>
-            <a:r>
-              <a:rPr lang="zh-CN" altLang="en-US" dirty="0" smtClean="0"/>
-              <a:t>输出目标</a:t>
+              <a:t>日志输出目标</a:t>
             </a:r>
             <a:endParaRPr lang="zh-CN" altLang="en-US" dirty="0"/>
           </a:p>
@@ -7520,11 +7547,7 @@
           <a:p>
             <a:r>
               <a:rPr lang="en-US" altLang="zh-CN" sz="1800" dirty="0" err="1" smtClean="0"/>
-              <a:t>a</a:t>
-            </a:r>
-            <a:r>
-              <a:rPr lang="en-US" altLang="zh-CN" sz="1800" dirty="0" err="1" smtClean="0"/>
-              <a:t>cl_msg_open</a:t>
+              <a:t>acl_msg_open</a:t>
             </a:r>
             <a:r>
               <a:rPr lang="en-US" altLang="zh-CN" sz="1800" dirty="0" smtClean="0"/>
@@ -7638,11 +7661,7 @@
             </a:r>
             <a:r>
               <a:rPr lang="en-US" altLang="zh-CN" sz="1800" dirty="0" smtClean="0"/>
-              <a:t>, </a:t>
-            </a:r>
-            <a:r>
-              <a:rPr lang="en-US" altLang="zh-CN" sz="1800" dirty="0" smtClean="0"/>
-              <a:t>ACL_MSG_WRITE_FN </a:t>
+              <a:t>, ACL_MSG_WRITE_FN </a:t>
             </a:r>
             <a:r>
               <a:rPr lang="en-US" altLang="zh-CN" sz="1800" dirty="0" err="1" smtClean="0"/>
@@ -7786,11 +7805,7 @@
           <a:p>
             <a:r>
               <a:rPr lang="zh-CN" altLang="en-US" dirty="0" smtClean="0"/>
-              <a:t>五</a:t>
-            </a:r>
-            <a:r>
-              <a:rPr lang="zh-CN" altLang="en-US" dirty="0" smtClean="0"/>
-              <a:t>、基于 </a:t>
+              <a:t>五、基于 </a:t>
             </a:r>
             <a:r>
               <a:rPr lang="en-US" altLang="zh-CN" dirty="0" err="1" smtClean="0"/>
@@ -9565,7 +9580,6 @@
               <a:rPr lang="en-US" altLang="zh-CN" sz="1200" dirty="0" smtClean="0"/>
               <a:t>/** </a:t>
             </a:r>
-            <a:endParaRPr lang="en-US" altLang="zh-CN" sz="1200" dirty="0" smtClean="0"/>
           </a:p>
           <a:p>
             <a:r>
@@ -9776,15 +9790,7 @@
           <a:p>
             <a:r>
               <a:rPr lang="en-US" altLang="zh-CN" sz="1200" dirty="0" smtClean="0"/>
-              <a:t>  </a:t>
-            </a:r>
-            <a:r>
-              <a:rPr lang="en-US" altLang="zh-CN" sz="1200" dirty="0" smtClean="0"/>
-              <a:t>  </a:t>
-            </a:r>
-            <a:r>
-              <a:rPr lang="en-US" altLang="zh-CN" sz="1200" dirty="0" smtClean="0"/>
-              <a:t>/* </a:t>
+              <a:t>    /* </a:t>
             </a:r>
             <a:r>
               <a:rPr lang="zh-CN" altLang="en-US" sz="1200" dirty="0" smtClean="0"/>
@@ -9880,15 +9886,7 @@
           <a:p>
             <a:r>
               <a:rPr lang="en-US" altLang="zh-CN" sz="1200" dirty="0" smtClean="0"/>
-              <a:t>  </a:t>
-            </a:r>
-            <a:r>
-              <a:rPr lang="en-US" altLang="zh-CN" sz="1200" dirty="0" smtClean="0"/>
-              <a:t>   </a:t>
-            </a:r>
-            <a:r>
-              <a:rPr lang="en-US" altLang="zh-CN" sz="1200" dirty="0" smtClean="0"/>
-              <a:t>/* </a:t>
+              <a:t>     /* </a:t>
             </a:r>
             <a:r>
               <a:rPr lang="zh-CN" altLang="en-US" sz="1200" dirty="0" smtClean="0"/>
@@ -9962,7 +9960,6 @@
               <a:rPr lang="en-US" altLang="zh-CN" sz="1200" dirty="0" smtClean="0"/>
               <a:t>}</a:t>
             </a:r>
-            <a:endParaRPr lang="en-US" altLang="zh-CN" sz="1200" dirty="0" smtClean="0"/>
           </a:p>
         </p:txBody>
       </p:sp>
@@ -11843,11 +11840,7 @@
             </a:r>
             <a:r>
               <a:rPr lang="zh-CN" altLang="en-US" dirty="0" smtClean="0"/>
-              <a:t>的流式编程</a:t>
-            </a:r>
-            <a:r>
-              <a:rPr lang="zh-CN" altLang="en-US" dirty="0" smtClean="0"/>
-              <a:t>示例</a:t>
+              <a:t>的流式编程示例</a:t>
             </a:r>
             <a:r>
               <a:rPr lang="en-US" altLang="zh-CN" dirty="0" smtClean="0"/>
@@ -11884,11 +11877,7 @@
           <a:p>
             <a:r>
               <a:rPr lang="en-US" altLang="zh-CN" sz="2200" dirty="0" err="1" smtClean="0"/>
-              <a:t>a</a:t>
-            </a:r>
-            <a:r>
-              <a:rPr lang="en-US" altLang="zh-CN" sz="2200" dirty="0" err="1" smtClean="0"/>
-              <a:t>cl</a:t>
+              <a:t>acl</a:t>
             </a:r>
             <a:r>
               <a:rPr lang="en-US" altLang="zh-CN" sz="2200" dirty="0" smtClean="0"/>
@@ -11917,11 +11906,7 @@
           <a:p>
             <a:r>
               <a:rPr lang="en-US" altLang="zh-CN" sz="2200" dirty="0" smtClean="0"/>
-              <a:t>c</a:t>
-            </a:r>
-            <a:r>
-              <a:rPr lang="en-US" altLang="zh-CN" sz="2200" dirty="0" smtClean="0"/>
-              <a:t>har </a:t>
+              <a:t>char </a:t>
             </a:r>
             <a:r>
               <a:rPr lang="en-US" altLang="zh-CN" sz="2200" dirty="0" err="1" smtClean="0"/>
@@ -11977,11 +11962,7 @@
             <a:pPr lvl="1"/>
             <a:r>
               <a:rPr lang="en-US" altLang="zh-CN" sz="2200" dirty="0" err="1" smtClean="0"/>
-              <a:t>b</a:t>
-            </a:r>
-            <a:r>
-              <a:rPr lang="en-US" altLang="zh-CN" sz="2200" dirty="0" err="1" smtClean="0"/>
-              <a:t>uf</a:t>
+              <a:t>buf</a:t>
             </a:r>
             <a:r>
               <a:rPr lang="en-US" altLang="zh-CN" sz="2200" dirty="0" smtClean="0"/>
@@ -11992,11 +11973,7 @@
             <a:pPr lvl="1"/>
             <a:r>
               <a:rPr lang="en-US" altLang="zh-CN" sz="2200" dirty="0" err="1" smtClean="0"/>
-              <a:t>p</a:t>
-            </a:r>
-            <a:r>
-              <a:rPr lang="en-US" altLang="zh-CN" sz="2200" dirty="0" err="1" smtClean="0"/>
-              <a:t>arser.update</a:t>
+              <a:t>parser.update</a:t>
             </a:r>
             <a:r>
               <a:rPr lang="en-US" altLang="zh-CN" sz="2200" dirty="0" smtClean="0"/>
@@ -12028,11 +12005,7 @@
             <a:pPr lvl="1"/>
             <a:r>
               <a:rPr lang="en-US" altLang="zh-CN" sz="2200" dirty="0" err="1" smtClean="0"/>
-              <a:t>p</a:t>
-            </a:r>
-            <a:r>
-              <a:rPr lang="en-US" altLang="zh-CN" sz="2200" dirty="0" err="1" smtClean="0"/>
-              <a:t>tr</a:t>
+              <a:t>ptr</a:t>
             </a:r>
             <a:r>
               <a:rPr lang="en-US" altLang="zh-CN" sz="2200" dirty="0" smtClean="0"/>
@@ -12075,11 +12048,7 @@
             </a:r>
             <a:r>
               <a:rPr lang="en-US" altLang="zh-CN" sz="2200" dirty="0" smtClean="0"/>
-              <a:t>* node = parser.</a:t>
-            </a:r>
-            <a:r>
-              <a:rPr lang="en-US" altLang="zh-CN" sz="2200" dirty="0" smtClean="0"/>
-              <a:t> </a:t>
+              <a:t>* node = parser. </a:t>
             </a:r>
             <a:r>
               <a:rPr lang="en-US" altLang="zh-CN" sz="2200" dirty="0" err="1" smtClean="0"/>
@@ -12107,11 +12076,7 @@
             <a:pPr lvl="1"/>
             <a:r>
               <a:rPr lang="en-US" altLang="zh-CN" sz="2200" dirty="0" smtClean="0"/>
-              <a:t>i</a:t>
-            </a:r>
-            <a:r>
-              <a:rPr lang="en-US" altLang="zh-CN" sz="2200" dirty="0" smtClean="0"/>
-              <a:t>f (name != NULL)</a:t>
+              <a:t>if (name != NULL)</a:t>
             </a:r>
           </a:p>
           <a:p>
@@ -12130,7 +12095,6 @@
               <a:rPr lang="en-US" altLang="zh-CN" sz="2200" dirty="0" smtClean="0"/>
               <a:t>}</a:t>
             </a:r>
-            <a:endParaRPr lang="en-US" altLang="zh-CN" sz="2200" dirty="0" smtClean="0"/>
           </a:p>
           <a:p>
             <a:endParaRPr lang="en-US" altLang="zh-CN" dirty="0" smtClean="0"/>
@@ -12707,11 +12671,7 @@
             </a:r>
             <a:r>
               <a:rPr lang="zh-CN" altLang="en-US" sz="2000" dirty="0" smtClean="0"/>
-              <a:t>编码的流式解析处理器</a:t>
-            </a:r>
-            <a:r>
-              <a:rPr lang="zh-CN" altLang="en-US" sz="2000" dirty="0" smtClean="0"/>
-              <a:t>；</a:t>
+              <a:t>编码的流式解析处理器；</a:t>
             </a:r>
             <a:endParaRPr lang="en-US" altLang="zh-CN" sz="2000" dirty="0" smtClean="0"/>
           </a:p>
@@ -12732,7 +12692,6 @@
               <a:rPr lang="zh-CN" altLang="en-US" sz="2000" dirty="0" smtClean="0"/>
               <a:t>生成器；</a:t>
             </a:r>
-            <a:endParaRPr lang="zh-CN" altLang="en-US" sz="2000" dirty="0" smtClean="0"/>
           </a:p>
           <a:p>
             <a:r>
@@ -13809,6 +13768,24 @@
               <a:t>ACL </a:t>
             </a:r>
             <a:r>
+              <a:rPr lang="en-US" altLang="zh-CN" sz="2400" dirty="0" err="1" smtClean="0"/>
+              <a:t>githup</a:t>
+            </a:r>
+            <a:r>
+              <a:rPr lang="zh-CN" altLang="en-US" sz="2400" dirty="0" smtClean="0"/>
+              <a:t>：</a:t>
+            </a:r>
+            <a:r>
+              <a:rPr lang="en-US" altLang="zh-CN" sz="2400" dirty="0" smtClean="0"/>
+              <a:t>https://github.com/zhengshuxin/acl</a:t>
+            </a:r>
+          </a:p>
+          <a:p>
+            <a:r>
+              <a:rPr lang="en-US" altLang="zh-CN" sz="2400" dirty="0" smtClean="0"/>
+              <a:t>ACL </a:t>
+            </a:r>
+            <a:r>
               <a:rPr lang="zh-CN" altLang="en-US" sz="2400" dirty="0" smtClean="0"/>
               <a:t>技术博客：</a:t>
             </a:r>
@@ -13836,23 +13813,6 @@
               <a:t>https://sourceforge.net/projects/acl/files/doc/</a:t>
             </a:r>
             <a:endParaRPr lang="en-US" altLang="zh-CN" sz="2400" dirty="0" smtClean="0"/>
-          </a:p>
-          <a:p>
-            <a:r>
-              <a:rPr lang="en-US" altLang="zh-CN" sz="2400" dirty="0" smtClean="0"/>
-              <a:t>ACL </a:t>
-            </a:r>
-            <a:r>
-              <a:rPr lang="zh-CN" altLang="en-US" sz="2400" dirty="0" smtClean="0"/>
-              <a:t>内网帮助：</a:t>
-            </a:r>
-            <a:r>
-              <a:rPr lang="en-US" altLang="zh-CN" sz="2400" dirty="0" smtClean="0">
-                <a:hlinkClick r:id="rId5"/>
-              </a:rPr>
-              <a:t> http://192.168.188.173:8081/help/</a:t>
-            </a:r>
-            <a:endParaRPr lang="zh-CN" altLang="en-US" sz="2400" dirty="0"/>
           </a:p>
         </p:txBody>
       </p:sp>
@@ -14701,11 +14661,7 @@
           <a:p>
             <a:r>
               <a:rPr lang="zh-CN" altLang="en-US" sz="2400" dirty="0" smtClean="0"/>
-              <a:t>某些小的团队及个人：游戏服务</a:t>
-            </a:r>
-            <a:r>
-              <a:rPr lang="zh-CN" altLang="en-US" sz="2400" dirty="0" smtClean="0"/>
-              <a:t>端、视频服务等</a:t>
+              <a:t>某些小的团队及个人：游戏服务端、视频服务等</a:t>
             </a:r>
             <a:endParaRPr lang="en-US" altLang="zh-CN" sz="2400" dirty="0" smtClean="0"/>
           </a:p>
@@ -15115,11 +15071,7 @@
             </a:r>
             <a:r>
               <a:rPr lang="en-US" altLang="zh-CN" sz="2400" dirty="0" smtClean="0"/>
-              <a:t> protocol-buffer(C</a:t>
-            </a:r>
-            <a:r>
-              <a:rPr lang="en-US" altLang="zh-CN" sz="2400" dirty="0" smtClean="0"/>
-              <a:t>++)</a:t>
+              <a:t> protocol-buffer(C++)</a:t>
             </a:r>
           </a:p>
           <a:p>
@@ -15152,11 +15104,7 @@
             </a:r>
             <a:r>
               <a:rPr lang="en-US" altLang="zh-CN" sz="2400" dirty="0" err="1" smtClean="0"/>
-              <a:t>li</a:t>
-            </a:r>
-            <a:r>
-              <a:rPr lang="en-US" altLang="zh-CN" sz="2400" dirty="0" err="1" smtClean="0"/>
-              <a:t>b_acl</a:t>
+              <a:t>lib_acl</a:t>
             </a:r>
             <a:r>
               <a:rPr lang="en-US" altLang="zh-CN" sz="2400" dirty="0" smtClean="0"/>
@@ -15918,7 +15866,7 @@
         <a:sysClr val="windowText" lastClr="000000"/>
       </a:dk1>
       <a:lt1>
-        <a:sysClr val="window" lastClr="C0C0C0"/>
+        <a:sysClr val="window" lastClr="FFFFFF"/>
       </a:lt1>
       <a:dk2>
         <a:srgbClr val="4E3B30"/>

--- a/trunk/doc/acl.pptx
+++ b/trunk/doc/acl.pptx
@@ -139,6 +139,22 @@
       </a:defRPr>
     </a:lvl9pPr>
   </p:defaultTextStyle>
+  <p:extLst>
+    <p:ext uri="{EFAFB233-063F-42B5-8137-9DF3F51BA10A}">
+      <p15:sldGuideLst xmlns:p15="http://schemas.microsoft.com/office/powerpoint/2012/main">
+        <p15:guide id="1" orient="horz" pos="2160">
+          <p15:clr>
+            <a:srgbClr val="A4A3A4"/>
+          </p15:clr>
+        </p15:guide>
+        <p15:guide id="2" pos="2880">
+          <p15:clr>
+            <a:srgbClr val="A4A3A4"/>
+          </p15:clr>
+        </p15:guide>
+      </p15:sldGuideLst>
+    </p:ext>
+  </p:extLst>
 </p:presentation>
 </file>
 
@@ -318,7 +334,7 @@
             <a:fld id="{6A1E91B6-4D00-4098-943A-0D973440C0B8}" type="datetimeFigureOut">
               <a:rPr lang="zh-CN" altLang="en-US" smtClean="0"/>
               <a:pPr/>
-              <a:t>2014/5/28</a:t>
+              <a:t>2015/3/19</a:t>
             </a:fld>
             <a:endParaRPr lang="zh-CN" altLang="en-US"/>
           </a:p>
@@ -490,7 +506,7 @@
             <a:fld id="{6A1E91B6-4D00-4098-943A-0D973440C0B8}" type="datetimeFigureOut">
               <a:rPr lang="zh-CN" altLang="en-US" smtClean="0"/>
               <a:pPr/>
-              <a:t>2014/5/28</a:t>
+              <a:t>2015/3/19</a:t>
             </a:fld>
             <a:endParaRPr lang="zh-CN" altLang="en-US"/>
           </a:p>
@@ -667,7 +683,7 @@
             <a:fld id="{6A1E91B6-4D00-4098-943A-0D973440C0B8}" type="datetimeFigureOut">
               <a:rPr lang="zh-CN" altLang="en-US" smtClean="0"/>
               <a:pPr/>
-              <a:t>2014/5/28</a:t>
+              <a:t>2015/3/19</a:t>
             </a:fld>
             <a:endParaRPr lang="zh-CN" altLang="en-US"/>
           </a:p>
@@ -834,7 +850,7 @@
             <a:fld id="{6A1E91B6-4D00-4098-943A-0D973440C0B8}" type="datetimeFigureOut">
               <a:rPr lang="zh-CN" altLang="en-US" smtClean="0"/>
               <a:pPr/>
-              <a:t>2014/5/28</a:t>
+              <a:t>2015/3/19</a:t>
             </a:fld>
             <a:endParaRPr lang="zh-CN" altLang="en-US"/>
           </a:p>
@@ -1070,7 +1086,7 @@
             <a:fld id="{6A1E91B6-4D00-4098-943A-0D973440C0B8}" type="datetimeFigureOut">
               <a:rPr lang="zh-CN" altLang="en-US" smtClean="0"/>
               <a:pPr/>
-              <a:t>2014/5/28</a:t>
+              <a:t>2015/3/19</a:t>
             </a:fld>
             <a:endParaRPr lang="zh-CN" altLang="en-US"/>
           </a:p>
@@ -1368,7 +1384,7 @@
             <a:fld id="{6A1E91B6-4D00-4098-943A-0D973440C0B8}" type="datetimeFigureOut">
               <a:rPr lang="zh-CN" altLang="en-US" smtClean="0"/>
               <a:pPr/>
-              <a:t>2014/5/28</a:t>
+              <a:t>2015/3/19</a:t>
             </a:fld>
             <a:endParaRPr lang="zh-CN" altLang="en-US"/>
           </a:p>
@@ -1754,7 +1770,7 @@
             <a:fld id="{6A1E91B6-4D00-4098-943A-0D973440C0B8}" type="datetimeFigureOut">
               <a:rPr lang="zh-CN" altLang="en-US" smtClean="0"/>
               <a:pPr/>
-              <a:t>2014/5/28</a:t>
+              <a:t>2015/3/19</a:t>
             </a:fld>
             <a:endParaRPr lang="zh-CN" altLang="en-US"/>
           </a:p>
@@ -1929,7 +1945,7 @@
             <a:fld id="{6A1E91B6-4D00-4098-943A-0D973440C0B8}" type="datetimeFigureOut">
               <a:rPr lang="zh-CN" altLang="en-US" smtClean="0"/>
               <a:pPr/>
-              <a:t>2014/5/28</a:t>
+              <a:t>2015/3/19</a:t>
             </a:fld>
             <a:endParaRPr lang="zh-CN" altLang="en-US"/>
           </a:p>
@@ -2021,7 +2037,7 @@
             <a:fld id="{6A1E91B6-4D00-4098-943A-0D973440C0B8}" type="datetimeFigureOut">
               <a:rPr lang="zh-CN" altLang="en-US" smtClean="0"/>
               <a:pPr/>
-              <a:t>2014/5/28</a:t>
+              <a:t>2015/3/19</a:t>
             </a:fld>
             <a:endParaRPr lang="zh-CN" altLang="en-US"/>
           </a:p>
@@ -2318,7 +2334,7 @@
             <a:fld id="{6A1E91B6-4D00-4098-943A-0D973440C0B8}" type="datetimeFigureOut">
               <a:rPr lang="zh-CN" altLang="en-US" smtClean="0"/>
               <a:pPr/>
-              <a:t>2014/5/28</a:t>
+              <a:t>2015/3/19</a:t>
             </a:fld>
             <a:endParaRPr lang="zh-CN" altLang="en-US"/>
           </a:p>
@@ -2454,7 +2470,7 @@
             <a:fld id="{6A1E91B6-4D00-4098-943A-0D973440C0B8}" type="datetimeFigureOut">
               <a:rPr lang="zh-CN" altLang="en-US" smtClean="0"/>
               <a:pPr/>
-              <a:t>2014/5/28</a:t>
+              <a:t>2015/3/19</a:t>
             </a:fld>
             <a:endParaRPr lang="zh-CN" altLang="en-US"/>
           </a:p>
@@ -2759,7 +2775,7 @@
             <a:fld id="{6A1E91B6-4D00-4098-943A-0D973440C0B8}" type="datetimeFigureOut">
               <a:rPr lang="zh-CN" altLang="en-US" smtClean="0"/>
               <a:pPr/>
-              <a:t>2014/5/28</a:t>
+              <a:t>2015/3/19</a:t>
             </a:fld>
             <a:endParaRPr lang="zh-CN" altLang="en-US"/>
           </a:p>
@@ -3684,7 +3700,15 @@
             </a:r>
             <a:r>
               <a:rPr lang="zh-CN" altLang="en-US" sz="7200" dirty="0" smtClean="0"/>
-              <a:t>、触发器</a:t>
+              <a:t>、</a:t>
+            </a:r>
+            <a:r>
+              <a:rPr lang="en-US" altLang="zh-CN" sz="7200" dirty="0" err="1" smtClean="0"/>
+              <a:t>udp</a:t>
+            </a:r>
+            <a:r>
+              <a:rPr lang="zh-CN" altLang="en-US" sz="7200" dirty="0" smtClean="0"/>
+              <a:t>非阻塞通信</a:t>
             </a:r>
             <a:r>
               <a:rPr lang="en-US" altLang="zh-CN" sz="7200" dirty="0" smtClean="0"/>
@@ -3692,6 +3716,22 @@
             </a:r>
             <a:r>
               <a:rPr lang="en-US" altLang="zh-CN" sz="7200" dirty="0" err="1" smtClean="0"/>
+              <a:t>master_udp</a:t>
+            </a:r>
+            <a:r>
+              <a:rPr lang="en-US" altLang="zh-CN" sz="7200" dirty="0" smtClean="0"/>
+              <a:t>)</a:t>
+            </a:r>
+            <a:r>
+              <a:rPr lang="zh-CN" altLang="en-US" sz="7200" dirty="0" smtClean="0"/>
+              <a:t>、触发器</a:t>
+            </a:r>
+            <a:r>
+              <a:rPr lang="en-US" altLang="zh-CN" sz="7200" dirty="0" smtClean="0"/>
+              <a:t>(</a:t>
+            </a:r>
+            <a:r>
+              <a:rPr lang="en-US" altLang="zh-CN" sz="7200" dirty="0" err="1" smtClean="0"/>
               <a:t>master_trigger</a:t>
             </a:r>
             <a:r>
@@ -3791,8 +3831,35 @@
           </a:p>
           <a:p>
             <a:r>
+              <a:rPr lang="zh-CN" altLang="en-US" sz="7200" b="1" dirty="0" smtClean="0"/>
+              <a:t>其它常用协议客户端库</a:t>
+            </a:r>
+            <a:r>
               <a:rPr lang="zh-CN" altLang="en-US" sz="7200" dirty="0" smtClean="0"/>
-              <a:t>其它常用协议客户端库：</a:t>
+              <a:t>：</a:t>
+            </a:r>
+            <a:endParaRPr lang="en-US" altLang="zh-CN" sz="7200" dirty="0" smtClean="0"/>
+          </a:p>
+          <a:p>
+            <a:r>
+              <a:rPr lang="en-US" altLang="zh-CN" sz="7200" b="1" dirty="0" err="1" smtClean="0"/>
+              <a:t>connpool</a:t>
+            </a:r>
+            <a:r>
+              <a:rPr lang="zh-CN" altLang="en-US" sz="7200" b="1" dirty="0" smtClean="0"/>
+              <a:t>：</a:t>
+            </a:r>
+            <a:r>
+              <a:rPr lang="zh-CN" altLang="en-US" sz="7200" dirty="0" smtClean="0"/>
+              <a:t>通用 </a:t>
+            </a:r>
+            <a:r>
+              <a:rPr lang="en-US" altLang="zh-CN" sz="7200" dirty="0" smtClean="0"/>
+              <a:t>TCP </a:t>
+            </a:r>
+            <a:r>
+              <a:rPr lang="zh-CN" altLang="en-US" sz="7200" dirty="0" smtClean="0"/>
+              <a:t>连接池及连接池集群管理框架</a:t>
             </a:r>
             <a:endParaRPr lang="en-US" altLang="zh-CN" sz="7200" dirty="0" smtClean="0"/>
           </a:p>
@@ -3858,7 +3925,58 @@
             </a:r>
             <a:r>
               <a:rPr lang="zh-CN" altLang="en-US" sz="7200" dirty="0" smtClean="0"/>
-              <a:t>协议的客户端库，支持长连接重试</a:t>
+              <a:t>协议的客户端库，</a:t>
+            </a:r>
+            <a:r>
+              <a:rPr lang="zh-CN" altLang="en-US" sz="7200" dirty="0" smtClean="0"/>
+              <a:t>支持连接池、集群管理、长</a:t>
+            </a:r>
+            <a:r>
+              <a:rPr lang="zh-CN" altLang="en-US" sz="7200" dirty="0" smtClean="0"/>
+              <a:t>连接</a:t>
+            </a:r>
+            <a:r>
+              <a:rPr lang="zh-CN" altLang="en-US" sz="7200" dirty="0" smtClean="0"/>
+              <a:t>重试</a:t>
+            </a:r>
+            <a:endParaRPr lang="en-US" altLang="zh-CN" sz="7200" dirty="0" smtClean="0"/>
+          </a:p>
+          <a:p>
+            <a:r>
+              <a:rPr lang="en-US" altLang="zh-CN" sz="7200" b="1" dirty="0" err="1" smtClean="0"/>
+              <a:t>redis</a:t>
+            </a:r>
+            <a:r>
+              <a:rPr lang="en-US" altLang="zh-CN" sz="7200" dirty="0" smtClean="0"/>
+              <a:t> </a:t>
+            </a:r>
+            <a:r>
+              <a:rPr lang="en-US" altLang="zh-CN" sz="7200" dirty="0"/>
+              <a:t>: </a:t>
+            </a:r>
+            <a:r>
+              <a:rPr lang="en-US" altLang="zh-CN" sz="7200" dirty="0" err="1" smtClean="0"/>
+              <a:t>redis</a:t>
+            </a:r>
+            <a:r>
+              <a:rPr lang="en-US" altLang="zh-CN" sz="7200" dirty="0" smtClean="0"/>
+              <a:t> </a:t>
+            </a:r>
+            <a:r>
+              <a:rPr lang="zh-CN" altLang="en-US" sz="7200" dirty="0"/>
+              <a:t>协议的客户端库，</a:t>
+            </a:r>
+            <a:r>
+              <a:rPr lang="zh-CN" altLang="en-US" sz="7200" dirty="0" smtClean="0"/>
+              <a:t>支持连接池、集群管理、长</a:t>
+            </a:r>
+            <a:r>
+              <a:rPr lang="zh-CN" altLang="en-US" sz="7200" dirty="0"/>
+              <a:t>连接</a:t>
+            </a:r>
+            <a:r>
+              <a:rPr lang="zh-CN" altLang="en-US" sz="7200" dirty="0" smtClean="0"/>
+              <a:t>重试</a:t>
             </a:r>
             <a:endParaRPr lang="en-US" altLang="zh-CN" sz="7200" dirty="0" smtClean="0"/>
           </a:p>
@@ -6629,6 +6747,14 @@
             </a:r>
             <a:r>
               <a:rPr lang="en-US" altLang="zh-CN" dirty="0" err="1" smtClean="0"/>
+              <a:t>redis</a:t>
+            </a:r>
+            <a:r>
+              <a:rPr lang="zh-CN" altLang="en-US" dirty="0"/>
+              <a:t>、</a:t>
+            </a:r>
+            <a:r>
+              <a:rPr lang="en-US" altLang="zh-CN" dirty="0" err="1" smtClean="0"/>
               <a:t>handlersocket</a:t>
             </a:r>
             <a:r>
@@ -6644,41 +6770,26 @@
           <a:p>
             <a:r>
               <a:rPr lang="zh-CN" altLang="en-US" dirty="0" smtClean="0"/>
-              <a:t>二、客户端库支持长连接及重连功能</a:t>
-            </a:r>
-            <a:r>
-              <a:rPr lang="en-US" altLang="zh-CN" dirty="0" smtClean="0"/>
-              <a:t>(</a:t>
-            </a:r>
-            <a:r>
-              <a:rPr lang="en-US" altLang="zh-CN" dirty="0" err="1" smtClean="0"/>
-              <a:t>smtp</a:t>
-            </a:r>
-            <a:r>
-              <a:rPr lang="en-US" altLang="zh-CN" dirty="0" smtClean="0"/>
-              <a:t>/</a:t>
-            </a:r>
-            <a:r>
-              <a:rPr lang="en-US" altLang="zh-CN" dirty="0" err="1" smtClean="0"/>
-              <a:t>handlersocket</a:t>
-            </a:r>
-            <a:r>
-              <a:rPr lang="en-US" altLang="zh-CN" dirty="0" smtClean="0"/>
-              <a:t> </a:t>
+              <a:t>二、客户端库支持长连接及重连</a:t>
             </a:r>
             <a:r>
               <a:rPr lang="zh-CN" altLang="en-US" dirty="0" smtClean="0"/>
-              <a:t>除外</a:t>
-            </a:r>
-            <a:r>
-              <a:rPr lang="en-US" altLang="zh-CN" dirty="0" smtClean="0"/>
-              <a:t>)</a:t>
-            </a:r>
+              <a:t>功能</a:t>
+            </a:r>
+            <a:endParaRPr lang="en-US" altLang="zh-CN" dirty="0" smtClean="0"/>
           </a:p>
           <a:p>
             <a:r>
               <a:rPr lang="zh-CN" altLang="en-US" dirty="0" smtClean="0"/>
-              <a:t>三、支持连接池的客户端库：</a:t>
+              <a:t>三</a:t>
+            </a:r>
+            <a:r>
+              <a:rPr lang="zh-CN" altLang="en-US" dirty="0" smtClean="0"/>
+              <a:t>、支持的数据库客户端</a:t>
+            </a:r>
+            <a:r>
+              <a:rPr lang="zh-CN" altLang="en-US" dirty="0" smtClean="0"/>
+              <a:t>库：</a:t>
             </a:r>
             <a:r>
               <a:rPr lang="en-US" altLang="zh-CN" dirty="0" err="1" smtClean="0"/>
@@ -6689,9 +6800,10 @@
               <a:t>、</a:t>
             </a:r>
             <a:r>
-              <a:rPr lang="en-US" altLang="zh-CN" dirty="0" smtClean="0"/>
-              <a:t>beanstalk</a:t>
-            </a:r>
+              <a:rPr lang="en-US" altLang="zh-CN" dirty="0" err="1" smtClean="0"/>
+              <a:t>sqlite</a:t>
+            </a:r>
+            <a:endParaRPr lang="en-US" altLang="zh-CN" dirty="0" smtClean="0"/>
           </a:p>
         </p:txBody>
       </p:sp>
@@ -12278,6 +12390,14 @@
             <a:r>
               <a:rPr lang="en-US" altLang="zh-CN" sz="2400" dirty="0" err="1" smtClean="0"/>
               <a:t>memcache</a:t>
+            </a:r>
+            <a:r>
+              <a:rPr lang="zh-CN" altLang="en-US" sz="2400" dirty="0" smtClean="0"/>
+              <a:t>，</a:t>
+            </a:r>
+            <a:r>
+              <a:rPr lang="en-US" altLang="zh-CN" sz="2400" dirty="0" err="1" smtClean="0"/>
+              <a:t>redis</a:t>
             </a:r>
             <a:r>
               <a:rPr lang="zh-CN" altLang="en-US" sz="2400" dirty="0" smtClean="0"/>
@@ -13730,7 +13850,11 @@
             </a:r>
             <a:r>
               <a:rPr lang="zh-CN" altLang="en-US" sz="2400" dirty="0" smtClean="0"/>
-              <a:t>工程下载：</a:t>
+              <a:t>下载</a:t>
+            </a:r>
+            <a:r>
+              <a:rPr lang="zh-CN" altLang="en-US" sz="2400" dirty="0" smtClean="0"/>
+              <a:t>：</a:t>
             </a:r>
             <a:r>
               <a:rPr lang="en-US" altLang="zh-CN" sz="2400" dirty="0" smtClean="0"/>
@@ -13769,7 +13893,7 @@
             </a:r>
             <a:r>
               <a:rPr lang="en-US" altLang="zh-CN" sz="2400" dirty="0" err="1" smtClean="0"/>
-              <a:t>githup</a:t>
+              <a:t>github</a:t>
             </a:r>
             <a:r>
               <a:rPr lang="zh-CN" altLang="en-US" sz="2400" dirty="0" smtClean="0"/>
@@ -13793,24 +13917,13 @@
               <a:rPr lang="en-US" altLang="zh-CN" sz="2400" dirty="0" smtClean="0">
                 <a:hlinkClick r:id="rId3"/>
               </a:rPr>
-              <a:t>http://zsxxsz.iteye.com/</a:t>
-            </a:r>
-            <a:endParaRPr lang="en-US" altLang="zh-CN" sz="2400" dirty="0" smtClean="0"/>
-          </a:p>
-          <a:p>
-            <a:r>
-              <a:rPr lang="en-US" altLang="zh-CN" sz="2400" dirty="0" smtClean="0"/>
-              <a:t>ACL  API</a:t>
-            </a:r>
-            <a:r>
-              <a:rPr lang="zh-CN" altLang="en-US" sz="2400" dirty="0" smtClean="0"/>
-              <a:t>文档：</a:t>
+              <a:t>http://zsxxsz.iteye.com</a:t>
             </a:r>
             <a:r>
               <a:rPr lang="en-US" altLang="zh-CN" sz="2400" dirty="0" smtClean="0">
-                <a:hlinkClick r:id="rId4"/>
+                <a:hlinkClick r:id="rId3"/>
               </a:rPr>
-              <a:t>https://sourceforge.net/projects/acl/files/doc/</a:t>
+              <a:t>/</a:t>
             </a:r>
             <a:endParaRPr lang="en-US" altLang="zh-CN" sz="2400" dirty="0" smtClean="0"/>
           </a:p>
@@ -14074,11 +14187,17 @@
           <p:cNvGraphicFramePr>
             <a:graphicFrameLocks noGrp="1"/>
           </p:cNvGraphicFramePr>
-          <p:nvPr/>
+          <p:nvPr>
+            <p:extLst>
+              <p:ext uri="{D42A27DB-BD31-4B8C-83A1-F6EECF244321}">
+                <p14:modId xmlns:p14="http://schemas.microsoft.com/office/powerpoint/2010/main" val="2012142791"/>
+              </p:ext>
+            </p:extLst>
+          </p:nvPr>
         </p:nvGraphicFramePr>
         <p:xfrm>
           <a:off x="755576" y="3356992"/>
-          <a:ext cx="7920882" cy="1454250"/>
+          <a:ext cx="7920882" cy="1166218"/>
         </p:xfrm>
         <a:graphic>
           <a:graphicData uri="http://schemas.openxmlformats.org/drawingml/2006/table">
@@ -14087,16 +14206,17 @@
                 <a:tableStyleId>{5C22544A-7EE6-4342-B048-85BDC9FD1C3A}</a:tableStyleId>
               </a:tblPr>
               <a:tblGrid>
-                <a:gridCol w="936105"/>
+                <a:gridCol w="792088"/>
                 <a:gridCol w="720080"/>
                 <a:gridCol w="720080"/>
-                <a:gridCol w="792088"/>
-                <a:gridCol w="1296144"/>
-                <a:gridCol w="1174099"/>
-                <a:gridCol w="1634213"/>
+                <a:gridCol w="648072"/>
+                <a:gridCol w="1080120"/>
+                <a:gridCol w="936104"/>
+                <a:gridCol w="1008112"/>
+                <a:gridCol w="1368153"/>
                 <a:gridCol w="648073"/>
               </a:tblGrid>
-              <a:tr h="648072">
+              <a:tr h="360040">
                 <a:tc>
                   <a:txBody>
                     <a:bodyPr/>
@@ -14173,10 +14293,41 @@
                     <a:lstStyle/>
                     <a:p>
                       <a:r>
+                        <a:rPr lang="en-US" altLang="zh-CN" sz="1400" dirty="0" err="1" smtClean="0"/>
+                        <a:t>redis</a:t>
+                      </a:r>
+                      <a:endParaRPr lang="zh-CN" altLang="en-US" sz="1400" dirty="0"/>
+                    </a:p>
+                  </a:txBody>
+                  <a:tcPr/>
+                </a:tc>
+                <a:tc>
+                  <a:txBody>
+                    <a:bodyPr/>
+                    <a:lstStyle/>
+                    <a:p>
+                      <a:pPr marL="0" marR="0" indent="0" algn="l" defTabSz="914400" rtl="0" eaLnBrk="1" fontAlgn="auto" latinLnBrk="0" hangingPunct="1">
+                        <a:lnSpc>
+                          <a:spcPct val="100000"/>
+                        </a:lnSpc>
+                        <a:spcBef>
+                          <a:spcPts val="0"/>
+                        </a:spcBef>
+                        <a:spcAft>
+                          <a:spcPts val="0"/>
+                        </a:spcAft>
+                        <a:buClrTx/>
+                        <a:buSzTx/>
+                        <a:buFontTx/>
+                        <a:buNone/>
+                        <a:tabLst/>
+                        <a:defRPr/>
+                      </a:pPr>
+                      <a:r>
                         <a:rPr lang="en-US" altLang="zh-CN" sz="1400" dirty="0" smtClean="0"/>
                         <a:t>beanstalk</a:t>
                       </a:r>
-                      <a:endParaRPr lang="zh-CN" altLang="en-US" sz="1400" dirty="0"/>
+                      <a:endParaRPr lang="zh-CN" altLang="en-US" sz="1400" dirty="0" smtClean="0"/>
                     </a:p>
                   </a:txBody>
                   <a:tcPr/>
@@ -14235,6 +14386,36 @@
                         <a:t>√</a:t>
                       </a:r>
                       <a:endParaRPr lang="zh-CN" altLang="en-US" sz="1400" dirty="0"/>
+                    </a:p>
+                  </a:txBody>
+                  <a:tcPr/>
+                </a:tc>
+                <a:tc>
+                  <a:txBody>
+                    <a:bodyPr/>
+                    <a:lstStyle/>
+                    <a:p>
+                      <a:pPr marL="0" marR="0" indent="0" algn="l" defTabSz="914400" rtl="0" eaLnBrk="1" fontAlgn="auto" latinLnBrk="0" hangingPunct="1">
+                        <a:lnSpc>
+                          <a:spcPct val="100000"/>
+                        </a:lnSpc>
+                        <a:spcBef>
+                          <a:spcPts val="0"/>
+                        </a:spcBef>
+                        <a:spcAft>
+                          <a:spcPts val="0"/>
+                        </a:spcAft>
+                        <a:buClrTx/>
+                        <a:buSzTx/>
+                        <a:buFontTx/>
+                        <a:buNone/>
+                        <a:tabLst/>
+                        <a:defRPr/>
+                      </a:pPr>
+                      <a:r>
+                        <a:rPr lang="zh-CN" altLang="en-US" sz="1400" dirty="0" smtClean="0"/>
+                        <a:t>√</a:t>
+                      </a:r>
                     </a:p>
                   </a:txBody>
                   <a:tcPr/>
@@ -14480,7 +14661,7 @@
                     <a:bodyPr/>
                     <a:lstStyle/>
                     <a:p>
-                      <a:endParaRPr lang="zh-CN" altLang="en-US" sz="1400"/>
+                      <a:endParaRPr lang="zh-CN" altLang="en-US" sz="1400" dirty="0"/>
                     </a:p>
                   </a:txBody>
                   <a:tcPr/>
@@ -14490,7 +14671,7 @@
                     <a:bodyPr/>
                     <a:lstStyle/>
                     <a:p>
-                      <a:endParaRPr lang="zh-CN" altLang="en-US" sz="1400"/>
+                      <a:endParaRPr lang="zh-CN" altLang="en-US" sz="1400" dirty="0"/>
                     </a:p>
                   </a:txBody>
                   <a:tcPr/>
@@ -14500,7 +14681,7 @@
                     <a:bodyPr/>
                     <a:lstStyle/>
                     <a:p>
-                      <a:endParaRPr lang="zh-CN" altLang="en-US" sz="1400"/>
+                      <a:endParaRPr lang="zh-CN" altLang="en-US" sz="1400" dirty="0"/>
                     </a:p>
                   </a:txBody>
                   <a:tcPr/>
@@ -14510,7 +14691,17 @@
                     <a:bodyPr/>
                     <a:lstStyle/>
                     <a:p>
-                      <a:endParaRPr lang="zh-CN" altLang="en-US" sz="1400"/>
+                      <a:endParaRPr lang="zh-CN" altLang="en-US" sz="1400" dirty="0"/>
+                    </a:p>
+                  </a:txBody>
+                  <a:tcPr/>
+                </a:tc>
+                <a:tc>
+                  <a:txBody>
+                    <a:bodyPr/>
+                    <a:lstStyle/>
+                    <a:p>
+                      <a:endParaRPr lang="zh-CN" altLang="en-US" sz="1400" dirty="0"/>
                     </a:p>
                   </a:txBody>
                   <a:tcPr/>
@@ -14786,7 +14977,7 @@
         <p:spPr/>
         <p:txBody>
           <a:bodyPr>
-            <a:normAutofit fontScale="92500" lnSpcReduction="10000"/>
+            <a:normAutofit fontScale="92500" lnSpcReduction="20000"/>
           </a:bodyPr>
           <a:lstStyle/>
           <a:p>
@@ -15096,7 +15287,19 @@
             </a:r>
             <a:r>
               <a:rPr lang="en-US" altLang="zh-CN" sz="2400" dirty="0" smtClean="0"/>
-              <a:t>/samples:  </a:t>
+              <a:t>/</a:t>
+            </a:r>
+            <a:r>
+              <a:rPr lang="en-US" altLang="zh-CN" sz="2400" dirty="0" err="1" smtClean="0"/>
+              <a:t>lib_acl</a:t>
+            </a:r>
+            <a:r>
+              <a:rPr lang="en-US" altLang="zh-CN" sz="2400" dirty="0" smtClean="0"/>
+              <a:t>/samples</a:t>
+            </a:r>
+            <a:r>
+              <a:rPr lang="en-US" altLang="zh-CN" sz="2400" dirty="0" smtClean="0"/>
+              <a:t>:  </a:t>
             </a:r>
             <a:r>
               <a:rPr lang="zh-CN" altLang="en-US" sz="2400" dirty="0" smtClean="0"/>
@@ -15108,7 +15311,50 @@
             </a:r>
             <a:r>
               <a:rPr lang="en-US" altLang="zh-CN" sz="2400" dirty="0" smtClean="0"/>
-              <a:t> /</a:t>
+              <a:t> </a:t>
+            </a:r>
+            <a:r>
+              <a:rPr lang="zh-CN" altLang="en-US" sz="2400" dirty="0" smtClean="0"/>
+              <a:t>库的</a:t>
+            </a:r>
+            <a:r>
+              <a:rPr lang="zh-CN" altLang="en-US" sz="2400" dirty="0" smtClean="0"/>
+              <a:t>例子</a:t>
+            </a:r>
+            <a:endParaRPr lang="en-US" altLang="zh-CN" sz="2400" dirty="0" smtClean="0"/>
+          </a:p>
+          <a:p>
+            <a:r>
+              <a:rPr lang="en-US" altLang="zh-CN" sz="2400" dirty="0" smtClean="0"/>
+              <a:t>2</a:t>
+            </a:r>
+            <a:r>
+              <a:rPr lang="zh-CN" altLang="en-US" sz="2400" dirty="0" smtClean="0"/>
+              <a:t>）</a:t>
+            </a:r>
+            <a:r>
+              <a:rPr lang="en-US" altLang="zh-CN" sz="2400" dirty="0" err="1" smtClean="0"/>
+              <a:t>acl</a:t>
+            </a:r>
+            <a:r>
+              <a:rPr lang="en-US" altLang="zh-CN" sz="2400" dirty="0" smtClean="0"/>
+              <a:t>/</a:t>
+            </a:r>
+            <a:r>
+              <a:rPr lang="en-US" altLang="zh-CN" sz="2400" dirty="0" err="1" smtClean="0"/>
+              <a:t>lib_protocols</a:t>
+            </a:r>
+            <a:r>
+              <a:rPr lang="en-US" altLang="zh-CN" sz="2400" dirty="0" smtClean="0"/>
+              <a:t>/samples</a:t>
+            </a:r>
+            <a:r>
+              <a:rPr lang="en-US" altLang="zh-CN" sz="2400" dirty="0"/>
+              <a:t>:  </a:t>
+            </a:r>
+            <a:r>
+              <a:rPr lang="zh-CN" altLang="en-US" sz="2400" dirty="0"/>
+              <a:t>主要是 </a:t>
             </a:r>
             <a:r>
               <a:rPr lang="en-US" altLang="zh-CN" sz="2400" dirty="0" err="1" smtClean="0"/>
@@ -15119,15 +15365,15 @@
               <a:t> </a:t>
             </a:r>
             <a:r>
-              <a:rPr lang="zh-CN" altLang="en-US" sz="2400" dirty="0" smtClean="0"/>
+              <a:rPr lang="zh-CN" altLang="en-US" sz="2400" dirty="0"/>
               <a:t>库的例子</a:t>
             </a:r>
-            <a:endParaRPr lang="en-US" altLang="zh-CN" sz="2400" dirty="0" smtClean="0"/>
-          </a:p>
-          <a:p>
-            <a:r>
-              <a:rPr lang="en-US" altLang="zh-CN" sz="2400" dirty="0" smtClean="0"/>
-              <a:t>2</a:t>
+            <a:endParaRPr lang="en-US" altLang="zh-CN" sz="2400" dirty="0"/>
+          </a:p>
+          <a:p>
+            <a:r>
+              <a:rPr lang="en-US" altLang="zh-CN" sz="2400" dirty="0"/>
+              <a:t>3</a:t>
             </a:r>
             <a:r>
               <a:rPr lang="zh-CN" altLang="en-US" sz="2400" dirty="0" smtClean="0"/>
@@ -15866,7 +16112,7 @@
         <a:sysClr val="windowText" lastClr="000000"/>
       </a:dk1>
       <a:lt1>
-        <a:sysClr val="window" lastClr="FFFFFF"/>
+        <a:sysClr val="window" lastClr="C0C0C0"/>
       </a:lt1>
       <a:dk2>
         <a:srgbClr val="4E3B30"/>
